--- a/第3章-开源GIS软件开发环境-6课时/第3章-2-开源GIS软件开发环境-Python编程基础-2学时.pptx
+++ b/第3章-开源GIS软件开发环境-6课时/第3章-2-开源GIS软件开发环境-Python编程基础-2学时.pptx
@@ -2916,350 +2916,6 @@
     </pc:docChg>
   </pc:docChgLst>
   <pc:docChgLst>
-    <pc:chgData name="Xin Luo" userId="82312ee5779919a4" providerId="LiveId" clId="{23920C8D-EBCE-A347-9C82-C14316D20539}"/>
-    <pc:docChg chg="undo custSel addSld modSld">
-      <pc:chgData name="Xin Luo" userId="82312ee5779919a4" providerId="LiveId" clId="{23920C8D-EBCE-A347-9C82-C14316D20539}" dt="2022-10-26T12:19:06.428" v="501" actId="767"/>
-      <pc:docMkLst>
-        <pc:docMk/>
-      </pc:docMkLst>
-      <pc:sldChg chg="modSp mod">
-        <pc:chgData name="Xin Luo" userId="82312ee5779919a4" providerId="LiveId" clId="{23920C8D-EBCE-A347-9C82-C14316D20539}" dt="2022-10-10T01:06:29.261" v="368" actId="404"/>
-        <pc:sldMkLst>
-          <pc:docMk/>
-          <pc:sldMk cId="1576120367" sldId="2387"/>
-        </pc:sldMkLst>
-        <pc:spChg chg="mod">
-          <ac:chgData name="Xin Luo" userId="82312ee5779919a4" providerId="LiveId" clId="{23920C8D-EBCE-A347-9C82-C14316D20539}" dt="2022-10-10T01:06:29.261" v="368" actId="404"/>
-          <ac:spMkLst>
-            <pc:docMk/>
-            <pc:sldMk cId="1576120367" sldId="2387"/>
-            <ac:spMk id="10" creationId="{00000000-0000-0000-0000-000000000000}"/>
-          </ac:spMkLst>
-        </pc:spChg>
-        <pc:spChg chg="mod">
-          <ac:chgData name="Xin Luo" userId="82312ee5779919a4" providerId="LiveId" clId="{23920C8D-EBCE-A347-9C82-C14316D20539}" dt="2022-10-10T01:06:13.262" v="366" actId="403"/>
-          <ac:spMkLst>
-            <pc:docMk/>
-            <pc:sldMk cId="1576120367" sldId="2387"/>
-            <ac:spMk id="12" creationId="{00000000-0000-0000-0000-000000000000}"/>
-          </ac:spMkLst>
-        </pc:spChg>
-        <pc:spChg chg="mod">
-          <ac:chgData name="Xin Luo" userId="82312ee5779919a4" providerId="LiveId" clId="{23920C8D-EBCE-A347-9C82-C14316D20539}" dt="2022-10-10T01:06:29.261" v="368" actId="404"/>
-          <ac:spMkLst>
-            <pc:docMk/>
-            <pc:sldMk cId="1576120367" sldId="2387"/>
-            <ac:spMk id="13" creationId="{00000000-0000-0000-0000-000000000000}"/>
-          </ac:spMkLst>
-        </pc:spChg>
-        <pc:spChg chg="mod">
-          <ac:chgData name="Xin Luo" userId="82312ee5779919a4" providerId="LiveId" clId="{23920C8D-EBCE-A347-9C82-C14316D20539}" dt="2022-10-10T01:06:13.262" v="366" actId="403"/>
-          <ac:spMkLst>
-            <pc:docMk/>
-            <pc:sldMk cId="1576120367" sldId="2387"/>
-            <ac:spMk id="14" creationId="{00000000-0000-0000-0000-000000000000}"/>
-          </ac:spMkLst>
-        </pc:spChg>
-        <pc:spChg chg="mod">
-          <ac:chgData name="Xin Luo" userId="82312ee5779919a4" providerId="LiveId" clId="{23920C8D-EBCE-A347-9C82-C14316D20539}" dt="2022-10-10T01:06:29.261" v="368" actId="404"/>
-          <ac:spMkLst>
-            <pc:docMk/>
-            <pc:sldMk cId="1576120367" sldId="2387"/>
-            <ac:spMk id="15" creationId="{00000000-0000-0000-0000-000000000000}"/>
-          </ac:spMkLst>
-        </pc:spChg>
-        <pc:spChg chg="mod">
-          <ac:chgData name="Xin Luo" userId="82312ee5779919a4" providerId="LiveId" clId="{23920C8D-EBCE-A347-9C82-C14316D20539}" dt="2022-10-10T01:06:19.369" v="367" actId="14100"/>
-          <ac:spMkLst>
-            <pc:docMk/>
-            <pc:sldMk cId="1576120367" sldId="2387"/>
-            <ac:spMk id="16" creationId="{00000000-0000-0000-0000-000000000000}"/>
-          </ac:spMkLst>
-        </pc:spChg>
-      </pc:sldChg>
-      <pc:sldChg chg="modSp mod">
-        <pc:chgData name="Xin Luo" userId="82312ee5779919a4" providerId="LiveId" clId="{23920C8D-EBCE-A347-9C82-C14316D20539}" dt="2022-10-10T01:06:39.449" v="369" actId="403"/>
-        <pc:sldMkLst>
-          <pc:docMk/>
-          <pc:sldMk cId="2415901206" sldId="2447"/>
-        </pc:sldMkLst>
-        <pc:spChg chg="mod">
-          <ac:chgData name="Xin Luo" userId="82312ee5779919a4" providerId="LiveId" clId="{23920C8D-EBCE-A347-9C82-C14316D20539}" dt="2022-10-10T01:06:39.449" v="369" actId="403"/>
-          <ac:spMkLst>
-            <pc:docMk/>
-            <pc:sldMk cId="2415901206" sldId="2447"/>
-            <ac:spMk id="7" creationId="{00000000-0000-0000-0000-000000000000}"/>
-          </ac:spMkLst>
-        </pc:spChg>
-      </pc:sldChg>
-      <pc:sldChg chg="addSp delSp modSp mod">
-        <pc:chgData name="Xin Luo" userId="82312ee5779919a4" providerId="LiveId" clId="{23920C8D-EBCE-A347-9C82-C14316D20539}" dt="2022-10-26T11:18:20.490" v="500"/>
-        <pc:sldMkLst>
-          <pc:docMk/>
-          <pc:sldMk cId="2689840772" sldId="2604"/>
-        </pc:sldMkLst>
-        <pc:spChg chg="mod">
-          <ac:chgData name="Xin Luo" userId="82312ee5779919a4" providerId="LiveId" clId="{23920C8D-EBCE-A347-9C82-C14316D20539}" dt="2022-10-26T11:18:14.630" v="497" actId="1038"/>
-          <ac:spMkLst>
-            <pc:docMk/>
-            <pc:sldMk cId="2689840772" sldId="2604"/>
-            <ac:spMk id="2" creationId="{DB381E7B-A050-4BE4-6756-9B64308C74D7}"/>
-          </ac:spMkLst>
-        </pc:spChg>
-        <pc:spChg chg="del mod">
-          <ac:chgData name="Xin Luo" userId="82312ee5779919a4" providerId="LiveId" clId="{23920C8D-EBCE-A347-9C82-C14316D20539}" dt="2022-10-10T00:58:26.498" v="9" actId="478"/>
-          <ac:spMkLst>
-            <pc:docMk/>
-            <pc:sldMk cId="2689840772" sldId="2604"/>
-            <ac:spMk id="3" creationId="{00000000-0000-0000-0000-000000000000}"/>
-          </ac:spMkLst>
-        </pc:spChg>
-        <pc:spChg chg="add del mod">
-          <ac:chgData name="Xin Luo" userId="82312ee5779919a4" providerId="LiveId" clId="{23920C8D-EBCE-A347-9C82-C14316D20539}" dt="2022-10-26T11:18:20.490" v="500"/>
-          <ac:spMkLst>
-            <pc:docMk/>
-            <pc:sldMk cId="2689840772" sldId="2604"/>
-            <ac:spMk id="3" creationId="{0AC6D251-AEF6-35BE-71D5-DE25EAD72977}"/>
-          </ac:spMkLst>
-        </pc:spChg>
-        <pc:spChg chg="add mod">
-          <ac:chgData name="Xin Luo" userId="82312ee5779919a4" providerId="LiveId" clId="{23920C8D-EBCE-A347-9C82-C14316D20539}" dt="2022-10-10T01:03:50.909" v="356" actId="20577"/>
-          <ac:spMkLst>
-            <pc:docMk/>
-            <pc:sldMk cId="2689840772" sldId="2604"/>
-            <ac:spMk id="4" creationId="{5B949F23-92C2-3ACE-AE9A-58F8C8D7AB52}"/>
-          </ac:spMkLst>
-        </pc:spChg>
-      </pc:sldChg>
-      <pc:sldChg chg="modSp mod">
-        <pc:chgData name="Xin Luo" userId="82312ee5779919a4" providerId="LiveId" clId="{23920C8D-EBCE-A347-9C82-C14316D20539}" dt="2022-10-25T11:53:23.523" v="402" actId="207"/>
-        <pc:sldMkLst>
-          <pc:docMk/>
-          <pc:sldMk cId="1392274363" sldId="2606"/>
-        </pc:sldMkLst>
-        <pc:spChg chg="mod">
-          <ac:chgData name="Xin Luo" userId="82312ee5779919a4" providerId="LiveId" clId="{23920C8D-EBCE-A347-9C82-C14316D20539}" dt="2022-10-10T01:08:08.448" v="392" actId="20577"/>
-          <ac:spMkLst>
-            <pc:docMk/>
-            <pc:sldMk cId="1392274363" sldId="2606"/>
-            <ac:spMk id="35" creationId="{2CBBD54C-A0C4-CFAB-2A67-F8BF299D28F5}"/>
-          </ac:spMkLst>
-        </pc:spChg>
-        <pc:spChg chg="mod">
-          <ac:chgData name="Xin Luo" userId="82312ee5779919a4" providerId="LiveId" clId="{23920C8D-EBCE-A347-9C82-C14316D20539}" dt="2022-10-25T11:53:23.523" v="402" actId="207"/>
-          <ac:spMkLst>
-            <pc:docMk/>
-            <pc:sldMk cId="1392274363" sldId="2606"/>
-            <ac:spMk id="42" creationId="{E4B07DDE-AB89-2B16-6B7A-2142621DE6F5}"/>
-          </ac:spMkLst>
-        </pc:spChg>
-      </pc:sldChg>
-      <pc:sldChg chg="modSp mod">
-        <pc:chgData name="Xin Luo" userId="82312ee5779919a4" providerId="LiveId" clId="{23920C8D-EBCE-A347-9C82-C14316D20539}" dt="2022-10-25T12:03:26.240" v="414" actId="14100"/>
-        <pc:sldMkLst>
-          <pc:docMk/>
-          <pc:sldMk cId="292605530" sldId="2607"/>
-        </pc:sldMkLst>
-        <pc:spChg chg="mod">
-          <ac:chgData name="Xin Luo" userId="82312ee5779919a4" providerId="LiveId" clId="{23920C8D-EBCE-A347-9C82-C14316D20539}" dt="2022-10-25T12:03:26.240" v="414" actId="14100"/>
-          <ac:spMkLst>
-            <pc:docMk/>
-            <pc:sldMk cId="292605530" sldId="2607"/>
-            <ac:spMk id="18" creationId="{8399C9E7-13B6-1DAF-F5BF-4471E8528C5F}"/>
-          </ac:spMkLst>
-        </pc:spChg>
-      </pc:sldChg>
-      <pc:sldChg chg="modSp mod">
-        <pc:chgData name="Xin Luo" userId="82312ee5779919a4" providerId="LiveId" clId="{23920C8D-EBCE-A347-9C82-C14316D20539}" dt="2022-10-25T12:09:03.730" v="478" actId="1036"/>
-        <pc:sldMkLst>
-          <pc:docMk/>
-          <pc:sldMk cId="2780969545" sldId="2609"/>
-        </pc:sldMkLst>
-        <pc:spChg chg="mod">
-          <ac:chgData name="Xin Luo" userId="82312ee5779919a4" providerId="LiveId" clId="{23920C8D-EBCE-A347-9C82-C14316D20539}" dt="2022-10-25T12:08:56.496" v="469" actId="115"/>
-          <ac:spMkLst>
-            <pc:docMk/>
-            <pc:sldMk cId="2780969545" sldId="2609"/>
-            <ac:spMk id="6" creationId="{2D1A6305-FF43-CF53-224A-B6D4901EAB0F}"/>
-          </ac:spMkLst>
-        </pc:spChg>
-        <pc:spChg chg="mod">
-          <ac:chgData name="Xin Luo" userId="82312ee5779919a4" providerId="LiveId" clId="{23920C8D-EBCE-A347-9C82-C14316D20539}" dt="2022-10-25T12:09:03.730" v="478" actId="1036"/>
-          <ac:spMkLst>
-            <pc:docMk/>
-            <pc:sldMk cId="2780969545" sldId="2609"/>
-            <ac:spMk id="11" creationId="{63EAC848-88D2-7A10-E878-444ADA855E23}"/>
-          </ac:spMkLst>
-        </pc:spChg>
-        <pc:spChg chg="mod">
-          <ac:chgData name="Xin Luo" userId="82312ee5779919a4" providerId="LiveId" clId="{23920C8D-EBCE-A347-9C82-C14316D20539}" dt="2022-10-25T12:09:03.730" v="478" actId="1036"/>
-          <ac:spMkLst>
-            <pc:docMk/>
-            <pc:sldMk cId="2780969545" sldId="2609"/>
-            <ac:spMk id="12" creationId="{BED7A820-9D6E-7E7E-A906-8A9424528316}"/>
-          </ac:spMkLst>
-        </pc:spChg>
-        <pc:spChg chg="mod">
-          <ac:chgData name="Xin Luo" userId="82312ee5779919a4" providerId="LiveId" clId="{23920C8D-EBCE-A347-9C82-C14316D20539}" dt="2022-10-25T12:09:03.730" v="478" actId="1036"/>
-          <ac:spMkLst>
-            <pc:docMk/>
-            <pc:sldMk cId="2780969545" sldId="2609"/>
-            <ac:spMk id="20" creationId="{87EC125B-CB98-6914-1633-6697471A2CB4}"/>
-          </ac:spMkLst>
-        </pc:spChg>
-        <pc:spChg chg="mod">
-          <ac:chgData name="Xin Luo" userId="82312ee5779919a4" providerId="LiveId" clId="{23920C8D-EBCE-A347-9C82-C14316D20539}" dt="2022-10-25T12:09:03.730" v="478" actId="1036"/>
-          <ac:spMkLst>
-            <pc:docMk/>
-            <pc:sldMk cId="2780969545" sldId="2609"/>
-            <ac:spMk id="21" creationId="{0AF67847-7DEF-CDAB-6208-0271BFB4FB06}"/>
-          </ac:spMkLst>
-        </pc:spChg>
-        <pc:spChg chg="mod">
-          <ac:chgData name="Xin Luo" userId="82312ee5779919a4" providerId="LiveId" clId="{23920C8D-EBCE-A347-9C82-C14316D20539}" dt="2022-10-25T12:09:03.730" v="478" actId="1036"/>
-          <ac:spMkLst>
-            <pc:docMk/>
-            <pc:sldMk cId="2780969545" sldId="2609"/>
-            <ac:spMk id="23" creationId="{0011846D-F543-398E-85CB-0AB0A842928A}"/>
-          </ac:spMkLst>
-        </pc:spChg>
-        <pc:spChg chg="mod">
-          <ac:chgData name="Xin Luo" userId="82312ee5779919a4" providerId="LiveId" clId="{23920C8D-EBCE-A347-9C82-C14316D20539}" dt="2022-10-25T12:09:03.730" v="478" actId="1036"/>
-          <ac:spMkLst>
-            <pc:docMk/>
-            <pc:sldMk cId="2780969545" sldId="2609"/>
-            <ac:spMk id="24" creationId="{37B5D87E-7419-7CC0-91CC-8A0807F0F999}"/>
-          </ac:spMkLst>
-        </pc:spChg>
-        <pc:spChg chg="mod">
-          <ac:chgData name="Xin Luo" userId="82312ee5779919a4" providerId="LiveId" clId="{23920C8D-EBCE-A347-9C82-C14316D20539}" dt="2022-10-25T12:09:03.730" v="478" actId="1036"/>
-          <ac:spMkLst>
-            <pc:docMk/>
-            <pc:sldMk cId="2780969545" sldId="2609"/>
-            <ac:spMk id="25" creationId="{4745244D-B431-F067-4A97-7CC4387296FB}"/>
-          </ac:spMkLst>
-        </pc:spChg>
-        <pc:spChg chg="mod">
-          <ac:chgData name="Xin Luo" userId="82312ee5779919a4" providerId="LiveId" clId="{23920C8D-EBCE-A347-9C82-C14316D20539}" dt="2022-10-25T12:09:03.730" v="478" actId="1036"/>
-          <ac:spMkLst>
-            <pc:docMk/>
-            <pc:sldMk cId="2780969545" sldId="2609"/>
-            <ac:spMk id="26" creationId="{FB9C53DE-8D1F-6DF4-8CE3-3A262A9F8737}"/>
-          </ac:spMkLst>
-        </pc:spChg>
-        <pc:picChg chg="mod">
-          <ac:chgData name="Xin Luo" userId="82312ee5779919a4" providerId="LiveId" clId="{23920C8D-EBCE-A347-9C82-C14316D20539}" dt="2022-10-25T12:09:03.730" v="478" actId="1036"/>
-          <ac:picMkLst>
-            <pc:docMk/>
-            <pc:sldMk cId="2780969545" sldId="2609"/>
-            <ac:picMk id="4" creationId="{49B7ACC6-6794-9162-52B2-E80F7E4B0442}"/>
-          </ac:picMkLst>
-        </pc:picChg>
-        <pc:picChg chg="mod">
-          <ac:chgData name="Xin Luo" userId="82312ee5779919a4" providerId="LiveId" clId="{23920C8D-EBCE-A347-9C82-C14316D20539}" dt="2022-10-25T12:09:03.730" v="478" actId="1036"/>
-          <ac:picMkLst>
-            <pc:docMk/>
-            <pc:sldMk cId="2780969545" sldId="2609"/>
-            <ac:picMk id="7" creationId="{42FD45A0-A9EA-D518-41B5-21FA7A24BA60}"/>
-          </ac:picMkLst>
-        </pc:picChg>
-        <pc:picChg chg="mod">
-          <ac:chgData name="Xin Luo" userId="82312ee5779919a4" providerId="LiveId" clId="{23920C8D-EBCE-A347-9C82-C14316D20539}" dt="2022-10-25T12:09:03.730" v="478" actId="1036"/>
-          <ac:picMkLst>
-            <pc:docMk/>
-            <pc:sldMk cId="2780969545" sldId="2609"/>
-            <ac:picMk id="10" creationId="{C2B12388-3179-41F8-2462-0C9BA14093FF}"/>
-          </ac:picMkLst>
-        </pc:picChg>
-        <pc:picChg chg="mod">
-          <ac:chgData name="Xin Luo" userId="82312ee5779919a4" providerId="LiveId" clId="{23920C8D-EBCE-A347-9C82-C14316D20539}" dt="2022-10-25T12:09:03.730" v="478" actId="1036"/>
-          <ac:picMkLst>
-            <pc:docMk/>
-            <pc:sldMk cId="2780969545" sldId="2609"/>
-            <ac:picMk id="7170" creationId="{A3C33C8C-6841-03A7-574F-E161D6BA2409}"/>
-          </ac:picMkLst>
-        </pc:picChg>
-        <pc:cxnChg chg="mod">
-          <ac:chgData name="Xin Luo" userId="82312ee5779919a4" providerId="LiveId" clId="{23920C8D-EBCE-A347-9C82-C14316D20539}" dt="2022-10-25T12:09:03.730" v="478" actId="1036"/>
-          <ac:cxnSpMkLst>
-            <pc:docMk/>
-            <pc:sldMk cId="2780969545" sldId="2609"/>
-            <ac:cxnSpMk id="9" creationId="{FD972B84-6C44-171E-8256-D2A04F01B0C9}"/>
-          </ac:cxnSpMkLst>
-        </pc:cxnChg>
-        <pc:cxnChg chg="mod">
-          <ac:chgData name="Xin Luo" userId="82312ee5779919a4" providerId="LiveId" clId="{23920C8D-EBCE-A347-9C82-C14316D20539}" dt="2022-10-25T12:09:03.730" v="478" actId="1036"/>
-          <ac:cxnSpMkLst>
-            <pc:docMk/>
-            <pc:sldMk cId="2780969545" sldId="2609"/>
-            <ac:cxnSpMk id="16" creationId="{612BCBDC-DECE-5090-7C5B-6492FF4CE722}"/>
-          </ac:cxnSpMkLst>
-        </pc:cxnChg>
-        <pc:cxnChg chg="mod">
-          <ac:chgData name="Xin Luo" userId="82312ee5779919a4" providerId="LiveId" clId="{23920C8D-EBCE-A347-9C82-C14316D20539}" dt="2022-10-25T12:09:03.730" v="478" actId="1036"/>
-          <ac:cxnSpMkLst>
-            <pc:docMk/>
-            <pc:sldMk cId="2780969545" sldId="2609"/>
-            <ac:cxnSpMk id="17" creationId="{AF045F09-2718-C456-D477-E816A43885FF}"/>
-          </ac:cxnSpMkLst>
-        </pc:cxnChg>
-        <pc:cxnChg chg="mod">
-          <ac:chgData name="Xin Luo" userId="82312ee5779919a4" providerId="LiveId" clId="{23920C8D-EBCE-A347-9C82-C14316D20539}" dt="2022-10-25T12:09:03.730" v="478" actId="1036"/>
-          <ac:cxnSpMkLst>
-            <pc:docMk/>
-            <pc:sldMk cId="2780969545" sldId="2609"/>
-            <ac:cxnSpMk id="28" creationId="{6C11ADF7-6234-2989-2798-F5AAD5EDE3BF}"/>
-          </ac:cxnSpMkLst>
-        </pc:cxnChg>
-      </pc:sldChg>
-      <pc:sldChg chg="modSp mod">
-        <pc:chgData name="Xin Luo" userId="82312ee5779919a4" providerId="LiveId" clId="{23920C8D-EBCE-A347-9C82-C14316D20539}" dt="2022-10-26T02:56:58.658" v="480" actId="207"/>
-        <pc:sldMkLst>
-          <pc:docMk/>
-          <pc:sldMk cId="63705705" sldId="2612"/>
-        </pc:sldMkLst>
-        <pc:spChg chg="mod">
-          <ac:chgData name="Xin Luo" userId="82312ee5779919a4" providerId="LiveId" clId="{23920C8D-EBCE-A347-9C82-C14316D20539}" dt="2022-10-26T02:56:58.658" v="480" actId="207"/>
-          <ac:spMkLst>
-            <pc:docMk/>
-            <pc:sldMk cId="63705705" sldId="2612"/>
-            <ac:spMk id="63" creationId="{6400CC45-5050-7ACD-CE08-CC6D7000A1DA}"/>
-          </ac:spMkLst>
-        </pc:spChg>
-      </pc:sldChg>
-      <pc:sldChg chg="addSp modSp">
-        <pc:chgData name="Xin Luo" userId="82312ee5779919a4" providerId="LiveId" clId="{23920C8D-EBCE-A347-9C82-C14316D20539}" dt="2022-10-26T12:19:06.428" v="501" actId="767"/>
-        <pc:sldMkLst>
-          <pc:docMk/>
-          <pc:sldMk cId="963926578" sldId="2613"/>
-        </pc:sldMkLst>
-        <pc:spChg chg="add mod">
-          <ac:chgData name="Xin Luo" userId="82312ee5779919a4" providerId="LiveId" clId="{23920C8D-EBCE-A347-9C82-C14316D20539}" dt="2022-10-26T12:19:06.428" v="501" actId="767"/>
-          <ac:spMkLst>
-            <pc:docMk/>
-            <pc:sldMk cId="963926578" sldId="2613"/>
-            <ac:spMk id="2" creationId="{5F7683B3-77E0-69A9-94AE-FF04E7249325}"/>
-          </ac:spMkLst>
-        </pc:spChg>
-      </pc:sldChg>
-      <pc:sldChg chg="modSp add mod">
-        <pc:chgData name="Xin Luo" userId="82312ee5779919a4" providerId="LiveId" clId="{23920C8D-EBCE-A347-9C82-C14316D20539}" dt="2022-10-10T01:06:02.902" v="365" actId="403"/>
-        <pc:sldMkLst>
-          <pc:docMk/>
-          <pc:sldMk cId="2358282757" sldId="2714"/>
-        </pc:sldMkLst>
-        <pc:spChg chg="mod">
-          <ac:chgData name="Xin Luo" userId="82312ee5779919a4" providerId="LiveId" clId="{23920C8D-EBCE-A347-9C82-C14316D20539}" dt="2022-10-10T01:06:02.902" v="365" actId="403"/>
-          <ac:spMkLst>
-            <pc:docMk/>
-            <pc:sldMk cId="2358282757" sldId="2714"/>
-            <ac:spMk id="2" creationId="{DB381E7B-A050-4BE4-6756-9B64308C74D7}"/>
-          </ac:spMkLst>
-        </pc:spChg>
-      </pc:sldChg>
-    </pc:docChg>
-  </pc:docChgLst>
-  <pc:docChgLst>
     <pc:chgData name="Xin Luo" userId="82312ee5779919a4" providerId="LiveId" clId="{7C35D78A-E8DF-394E-816A-D2222F18F092}"/>
     <pc:docChg chg="delSld modSld">
       <pc:chgData name="Xin Luo" userId="82312ee5779919a4" providerId="LiveId" clId="{7C35D78A-E8DF-394E-816A-D2222F18F092}" dt="2022-11-28T03:56:42.353" v="21" actId="2696"/>
@@ -3480,6 +3136,350 @@
     </pc:docChg>
   </pc:docChgLst>
   <pc:docChgLst>
+    <pc:chgData name="Xin Luo" userId="82312ee5779919a4" providerId="LiveId" clId="{23920C8D-EBCE-A347-9C82-C14316D20539}"/>
+    <pc:docChg chg="undo custSel addSld modSld">
+      <pc:chgData name="Xin Luo" userId="82312ee5779919a4" providerId="LiveId" clId="{23920C8D-EBCE-A347-9C82-C14316D20539}" dt="2022-10-26T12:19:06.428" v="501" actId="767"/>
+      <pc:docMkLst>
+        <pc:docMk/>
+      </pc:docMkLst>
+      <pc:sldChg chg="modSp mod">
+        <pc:chgData name="Xin Luo" userId="82312ee5779919a4" providerId="LiveId" clId="{23920C8D-EBCE-A347-9C82-C14316D20539}" dt="2022-10-10T01:06:29.261" v="368" actId="404"/>
+        <pc:sldMkLst>
+          <pc:docMk/>
+          <pc:sldMk cId="1576120367" sldId="2387"/>
+        </pc:sldMkLst>
+        <pc:spChg chg="mod">
+          <ac:chgData name="Xin Luo" userId="82312ee5779919a4" providerId="LiveId" clId="{23920C8D-EBCE-A347-9C82-C14316D20539}" dt="2022-10-10T01:06:29.261" v="368" actId="404"/>
+          <ac:spMkLst>
+            <pc:docMk/>
+            <pc:sldMk cId="1576120367" sldId="2387"/>
+            <ac:spMk id="10" creationId="{00000000-0000-0000-0000-000000000000}"/>
+          </ac:spMkLst>
+        </pc:spChg>
+        <pc:spChg chg="mod">
+          <ac:chgData name="Xin Luo" userId="82312ee5779919a4" providerId="LiveId" clId="{23920C8D-EBCE-A347-9C82-C14316D20539}" dt="2022-10-10T01:06:13.262" v="366" actId="403"/>
+          <ac:spMkLst>
+            <pc:docMk/>
+            <pc:sldMk cId="1576120367" sldId="2387"/>
+            <ac:spMk id="12" creationId="{00000000-0000-0000-0000-000000000000}"/>
+          </ac:spMkLst>
+        </pc:spChg>
+        <pc:spChg chg="mod">
+          <ac:chgData name="Xin Luo" userId="82312ee5779919a4" providerId="LiveId" clId="{23920C8D-EBCE-A347-9C82-C14316D20539}" dt="2022-10-10T01:06:29.261" v="368" actId="404"/>
+          <ac:spMkLst>
+            <pc:docMk/>
+            <pc:sldMk cId="1576120367" sldId="2387"/>
+            <ac:spMk id="13" creationId="{00000000-0000-0000-0000-000000000000}"/>
+          </ac:spMkLst>
+        </pc:spChg>
+        <pc:spChg chg="mod">
+          <ac:chgData name="Xin Luo" userId="82312ee5779919a4" providerId="LiveId" clId="{23920C8D-EBCE-A347-9C82-C14316D20539}" dt="2022-10-10T01:06:13.262" v="366" actId="403"/>
+          <ac:spMkLst>
+            <pc:docMk/>
+            <pc:sldMk cId="1576120367" sldId="2387"/>
+            <ac:spMk id="14" creationId="{00000000-0000-0000-0000-000000000000}"/>
+          </ac:spMkLst>
+        </pc:spChg>
+        <pc:spChg chg="mod">
+          <ac:chgData name="Xin Luo" userId="82312ee5779919a4" providerId="LiveId" clId="{23920C8D-EBCE-A347-9C82-C14316D20539}" dt="2022-10-10T01:06:29.261" v="368" actId="404"/>
+          <ac:spMkLst>
+            <pc:docMk/>
+            <pc:sldMk cId="1576120367" sldId="2387"/>
+            <ac:spMk id="15" creationId="{00000000-0000-0000-0000-000000000000}"/>
+          </ac:spMkLst>
+        </pc:spChg>
+        <pc:spChg chg="mod">
+          <ac:chgData name="Xin Luo" userId="82312ee5779919a4" providerId="LiveId" clId="{23920C8D-EBCE-A347-9C82-C14316D20539}" dt="2022-10-10T01:06:19.369" v="367" actId="14100"/>
+          <ac:spMkLst>
+            <pc:docMk/>
+            <pc:sldMk cId="1576120367" sldId="2387"/>
+            <ac:spMk id="16" creationId="{00000000-0000-0000-0000-000000000000}"/>
+          </ac:spMkLst>
+        </pc:spChg>
+      </pc:sldChg>
+      <pc:sldChg chg="modSp mod">
+        <pc:chgData name="Xin Luo" userId="82312ee5779919a4" providerId="LiveId" clId="{23920C8D-EBCE-A347-9C82-C14316D20539}" dt="2022-10-10T01:06:39.449" v="369" actId="403"/>
+        <pc:sldMkLst>
+          <pc:docMk/>
+          <pc:sldMk cId="2415901206" sldId="2447"/>
+        </pc:sldMkLst>
+        <pc:spChg chg="mod">
+          <ac:chgData name="Xin Luo" userId="82312ee5779919a4" providerId="LiveId" clId="{23920C8D-EBCE-A347-9C82-C14316D20539}" dt="2022-10-10T01:06:39.449" v="369" actId="403"/>
+          <ac:spMkLst>
+            <pc:docMk/>
+            <pc:sldMk cId="2415901206" sldId="2447"/>
+            <ac:spMk id="7" creationId="{00000000-0000-0000-0000-000000000000}"/>
+          </ac:spMkLst>
+        </pc:spChg>
+      </pc:sldChg>
+      <pc:sldChg chg="addSp delSp modSp mod">
+        <pc:chgData name="Xin Luo" userId="82312ee5779919a4" providerId="LiveId" clId="{23920C8D-EBCE-A347-9C82-C14316D20539}" dt="2022-10-26T11:18:20.490" v="500"/>
+        <pc:sldMkLst>
+          <pc:docMk/>
+          <pc:sldMk cId="2689840772" sldId="2604"/>
+        </pc:sldMkLst>
+        <pc:spChg chg="mod">
+          <ac:chgData name="Xin Luo" userId="82312ee5779919a4" providerId="LiveId" clId="{23920C8D-EBCE-A347-9C82-C14316D20539}" dt="2022-10-26T11:18:14.630" v="497" actId="1038"/>
+          <ac:spMkLst>
+            <pc:docMk/>
+            <pc:sldMk cId="2689840772" sldId="2604"/>
+            <ac:spMk id="2" creationId="{DB381E7B-A050-4BE4-6756-9B64308C74D7}"/>
+          </ac:spMkLst>
+        </pc:spChg>
+        <pc:spChg chg="del mod">
+          <ac:chgData name="Xin Luo" userId="82312ee5779919a4" providerId="LiveId" clId="{23920C8D-EBCE-A347-9C82-C14316D20539}" dt="2022-10-10T00:58:26.498" v="9" actId="478"/>
+          <ac:spMkLst>
+            <pc:docMk/>
+            <pc:sldMk cId="2689840772" sldId="2604"/>
+            <ac:spMk id="3" creationId="{00000000-0000-0000-0000-000000000000}"/>
+          </ac:spMkLst>
+        </pc:spChg>
+        <pc:spChg chg="add del mod">
+          <ac:chgData name="Xin Luo" userId="82312ee5779919a4" providerId="LiveId" clId="{23920C8D-EBCE-A347-9C82-C14316D20539}" dt="2022-10-26T11:18:20.490" v="500"/>
+          <ac:spMkLst>
+            <pc:docMk/>
+            <pc:sldMk cId="2689840772" sldId="2604"/>
+            <ac:spMk id="3" creationId="{0AC6D251-AEF6-35BE-71D5-DE25EAD72977}"/>
+          </ac:spMkLst>
+        </pc:spChg>
+        <pc:spChg chg="add mod">
+          <ac:chgData name="Xin Luo" userId="82312ee5779919a4" providerId="LiveId" clId="{23920C8D-EBCE-A347-9C82-C14316D20539}" dt="2022-10-10T01:03:50.909" v="356" actId="20577"/>
+          <ac:spMkLst>
+            <pc:docMk/>
+            <pc:sldMk cId="2689840772" sldId="2604"/>
+            <ac:spMk id="4" creationId="{5B949F23-92C2-3ACE-AE9A-58F8C8D7AB52}"/>
+          </ac:spMkLst>
+        </pc:spChg>
+      </pc:sldChg>
+      <pc:sldChg chg="modSp mod">
+        <pc:chgData name="Xin Luo" userId="82312ee5779919a4" providerId="LiveId" clId="{23920C8D-EBCE-A347-9C82-C14316D20539}" dt="2022-10-25T11:53:23.523" v="402" actId="207"/>
+        <pc:sldMkLst>
+          <pc:docMk/>
+          <pc:sldMk cId="1392274363" sldId="2606"/>
+        </pc:sldMkLst>
+        <pc:spChg chg="mod">
+          <ac:chgData name="Xin Luo" userId="82312ee5779919a4" providerId="LiveId" clId="{23920C8D-EBCE-A347-9C82-C14316D20539}" dt="2022-10-10T01:08:08.448" v="392" actId="20577"/>
+          <ac:spMkLst>
+            <pc:docMk/>
+            <pc:sldMk cId="1392274363" sldId="2606"/>
+            <ac:spMk id="35" creationId="{2CBBD54C-A0C4-CFAB-2A67-F8BF299D28F5}"/>
+          </ac:spMkLst>
+        </pc:spChg>
+        <pc:spChg chg="mod">
+          <ac:chgData name="Xin Luo" userId="82312ee5779919a4" providerId="LiveId" clId="{23920C8D-EBCE-A347-9C82-C14316D20539}" dt="2022-10-25T11:53:23.523" v="402" actId="207"/>
+          <ac:spMkLst>
+            <pc:docMk/>
+            <pc:sldMk cId="1392274363" sldId="2606"/>
+            <ac:spMk id="42" creationId="{E4B07DDE-AB89-2B16-6B7A-2142621DE6F5}"/>
+          </ac:spMkLst>
+        </pc:spChg>
+      </pc:sldChg>
+      <pc:sldChg chg="modSp mod">
+        <pc:chgData name="Xin Luo" userId="82312ee5779919a4" providerId="LiveId" clId="{23920C8D-EBCE-A347-9C82-C14316D20539}" dt="2022-10-25T12:03:26.240" v="414" actId="14100"/>
+        <pc:sldMkLst>
+          <pc:docMk/>
+          <pc:sldMk cId="292605530" sldId="2607"/>
+        </pc:sldMkLst>
+        <pc:spChg chg="mod">
+          <ac:chgData name="Xin Luo" userId="82312ee5779919a4" providerId="LiveId" clId="{23920C8D-EBCE-A347-9C82-C14316D20539}" dt="2022-10-25T12:03:26.240" v="414" actId="14100"/>
+          <ac:spMkLst>
+            <pc:docMk/>
+            <pc:sldMk cId="292605530" sldId="2607"/>
+            <ac:spMk id="18" creationId="{8399C9E7-13B6-1DAF-F5BF-4471E8528C5F}"/>
+          </ac:spMkLst>
+        </pc:spChg>
+      </pc:sldChg>
+      <pc:sldChg chg="modSp mod">
+        <pc:chgData name="Xin Luo" userId="82312ee5779919a4" providerId="LiveId" clId="{23920C8D-EBCE-A347-9C82-C14316D20539}" dt="2022-10-25T12:09:03.730" v="478" actId="1036"/>
+        <pc:sldMkLst>
+          <pc:docMk/>
+          <pc:sldMk cId="2780969545" sldId="2609"/>
+        </pc:sldMkLst>
+        <pc:spChg chg="mod">
+          <ac:chgData name="Xin Luo" userId="82312ee5779919a4" providerId="LiveId" clId="{23920C8D-EBCE-A347-9C82-C14316D20539}" dt="2022-10-25T12:08:56.496" v="469" actId="115"/>
+          <ac:spMkLst>
+            <pc:docMk/>
+            <pc:sldMk cId="2780969545" sldId="2609"/>
+            <ac:spMk id="6" creationId="{2D1A6305-FF43-CF53-224A-B6D4901EAB0F}"/>
+          </ac:spMkLst>
+        </pc:spChg>
+        <pc:spChg chg="mod">
+          <ac:chgData name="Xin Luo" userId="82312ee5779919a4" providerId="LiveId" clId="{23920C8D-EBCE-A347-9C82-C14316D20539}" dt="2022-10-25T12:09:03.730" v="478" actId="1036"/>
+          <ac:spMkLst>
+            <pc:docMk/>
+            <pc:sldMk cId="2780969545" sldId="2609"/>
+            <ac:spMk id="11" creationId="{63EAC848-88D2-7A10-E878-444ADA855E23}"/>
+          </ac:spMkLst>
+        </pc:spChg>
+        <pc:spChg chg="mod">
+          <ac:chgData name="Xin Luo" userId="82312ee5779919a4" providerId="LiveId" clId="{23920C8D-EBCE-A347-9C82-C14316D20539}" dt="2022-10-25T12:09:03.730" v="478" actId="1036"/>
+          <ac:spMkLst>
+            <pc:docMk/>
+            <pc:sldMk cId="2780969545" sldId="2609"/>
+            <ac:spMk id="12" creationId="{BED7A820-9D6E-7E7E-A906-8A9424528316}"/>
+          </ac:spMkLst>
+        </pc:spChg>
+        <pc:spChg chg="mod">
+          <ac:chgData name="Xin Luo" userId="82312ee5779919a4" providerId="LiveId" clId="{23920C8D-EBCE-A347-9C82-C14316D20539}" dt="2022-10-25T12:09:03.730" v="478" actId="1036"/>
+          <ac:spMkLst>
+            <pc:docMk/>
+            <pc:sldMk cId="2780969545" sldId="2609"/>
+            <ac:spMk id="20" creationId="{87EC125B-CB98-6914-1633-6697471A2CB4}"/>
+          </ac:spMkLst>
+        </pc:spChg>
+        <pc:spChg chg="mod">
+          <ac:chgData name="Xin Luo" userId="82312ee5779919a4" providerId="LiveId" clId="{23920C8D-EBCE-A347-9C82-C14316D20539}" dt="2022-10-25T12:09:03.730" v="478" actId="1036"/>
+          <ac:spMkLst>
+            <pc:docMk/>
+            <pc:sldMk cId="2780969545" sldId="2609"/>
+            <ac:spMk id="21" creationId="{0AF67847-7DEF-CDAB-6208-0271BFB4FB06}"/>
+          </ac:spMkLst>
+        </pc:spChg>
+        <pc:spChg chg="mod">
+          <ac:chgData name="Xin Luo" userId="82312ee5779919a4" providerId="LiveId" clId="{23920C8D-EBCE-A347-9C82-C14316D20539}" dt="2022-10-25T12:09:03.730" v="478" actId="1036"/>
+          <ac:spMkLst>
+            <pc:docMk/>
+            <pc:sldMk cId="2780969545" sldId="2609"/>
+            <ac:spMk id="23" creationId="{0011846D-F543-398E-85CB-0AB0A842928A}"/>
+          </ac:spMkLst>
+        </pc:spChg>
+        <pc:spChg chg="mod">
+          <ac:chgData name="Xin Luo" userId="82312ee5779919a4" providerId="LiveId" clId="{23920C8D-EBCE-A347-9C82-C14316D20539}" dt="2022-10-25T12:09:03.730" v="478" actId="1036"/>
+          <ac:spMkLst>
+            <pc:docMk/>
+            <pc:sldMk cId="2780969545" sldId="2609"/>
+            <ac:spMk id="24" creationId="{37B5D87E-7419-7CC0-91CC-8A0807F0F999}"/>
+          </ac:spMkLst>
+        </pc:spChg>
+        <pc:spChg chg="mod">
+          <ac:chgData name="Xin Luo" userId="82312ee5779919a4" providerId="LiveId" clId="{23920C8D-EBCE-A347-9C82-C14316D20539}" dt="2022-10-25T12:09:03.730" v="478" actId="1036"/>
+          <ac:spMkLst>
+            <pc:docMk/>
+            <pc:sldMk cId="2780969545" sldId="2609"/>
+            <ac:spMk id="25" creationId="{4745244D-B431-F067-4A97-7CC4387296FB}"/>
+          </ac:spMkLst>
+        </pc:spChg>
+        <pc:spChg chg="mod">
+          <ac:chgData name="Xin Luo" userId="82312ee5779919a4" providerId="LiveId" clId="{23920C8D-EBCE-A347-9C82-C14316D20539}" dt="2022-10-25T12:09:03.730" v="478" actId="1036"/>
+          <ac:spMkLst>
+            <pc:docMk/>
+            <pc:sldMk cId="2780969545" sldId="2609"/>
+            <ac:spMk id="26" creationId="{FB9C53DE-8D1F-6DF4-8CE3-3A262A9F8737}"/>
+          </ac:spMkLst>
+        </pc:spChg>
+        <pc:picChg chg="mod">
+          <ac:chgData name="Xin Luo" userId="82312ee5779919a4" providerId="LiveId" clId="{23920C8D-EBCE-A347-9C82-C14316D20539}" dt="2022-10-25T12:09:03.730" v="478" actId="1036"/>
+          <ac:picMkLst>
+            <pc:docMk/>
+            <pc:sldMk cId="2780969545" sldId="2609"/>
+            <ac:picMk id="4" creationId="{49B7ACC6-6794-9162-52B2-E80F7E4B0442}"/>
+          </ac:picMkLst>
+        </pc:picChg>
+        <pc:picChg chg="mod">
+          <ac:chgData name="Xin Luo" userId="82312ee5779919a4" providerId="LiveId" clId="{23920C8D-EBCE-A347-9C82-C14316D20539}" dt="2022-10-25T12:09:03.730" v="478" actId="1036"/>
+          <ac:picMkLst>
+            <pc:docMk/>
+            <pc:sldMk cId="2780969545" sldId="2609"/>
+            <ac:picMk id="7" creationId="{42FD45A0-A9EA-D518-41B5-21FA7A24BA60}"/>
+          </ac:picMkLst>
+        </pc:picChg>
+        <pc:picChg chg="mod">
+          <ac:chgData name="Xin Luo" userId="82312ee5779919a4" providerId="LiveId" clId="{23920C8D-EBCE-A347-9C82-C14316D20539}" dt="2022-10-25T12:09:03.730" v="478" actId="1036"/>
+          <ac:picMkLst>
+            <pc:docMk/>
+            <pc:sldMk cId="2780969545" sldId="2609"/>
+            <ac:picMk id="10" creationId="{C2B12388-3179-41F8-2462-0C9BA14093FF}"/>
+          </ac:picMkLst>
+        </pc:picChg>
+        <pc:picChg chg="mod">
+          <ac:chgData name="Xin Luo" userId="82312ee5779919a4" providerId="LiveId" clId="{23920C8D-EBCE-A347-9C82-C14316D20539}" dt="2022-10-25T12:09:03.730" v="478" actId="1036"/>
+          <ac:picMkLst>
+            <pc:docMk/>
+            <pc:sldMk cId="2780969545" sldId="2609"/>
+            <ac:picMk id="7170" creationId="{A3C33C8C-6841-03A7-574F-E161D6BA2409}"/>
+          </ac:picMkLst>
+        </pc:picChg>
+        <pc:cxnChg chg="mod">
+          <ac:chgData name="Xin Luo" userId="82312ee5779919a4" providerId="LiveId" clId="{23920C8D-EBCE-A347-9C82-C14316D20539}" dt="2022-10-25T12:09:03.730" v="478" actId="1036"/>
+          <ac:cxnSpMkLst>
+            <pc:docMk/>
+            <pc:sldMk cId="2780969545" sldId="2609"/>
+            <ac:cxnSpMk id="9" creationId="{FD972B84-6C44-171E-8256-D2A04F01B0C9}"/>
+          </ac:cxnSpMkLst>
+        </pc:cxnChg>
+        <pc:cxnChg chg="mod">
+          <ac:chgData name="Xin Luo" userId="82312ee5779919a4" providerId="LiveId" clId="{23920C8D-EBCE-A347-9C82-C14316D20539}" dt="2022-10-25T12:09:03.730" v="478" actId="1036"/>
+          <ac:cxnSpMkLst>
+            <pc:docMk/>
+            <pc:sldMk cId="2780969545" sldId="2609"/>
+            <ac:cxnSpMk id="16" creationId="{612BCBDC-DECE-5090-7C5B-6492FF4CE722}"/>
+          </ac:cxnSpMkLst>
+        </pc:cxnChg>
+        <pc:cxnChg chg="mod">
+          <ac:chgData name="Xin Luo" userId="82312ee5779919a4" providerId="LiveId" clId="{23920C8D-EBCE-A347-9C82-C14316D20539}" dt="2022-10-25T12:09:03.730" v="478" actId="1036"/>
+          <ac:cxnSpMkLst>
+            <pc:docMk/>
+            <pc:sldMk cId="2780969545" sldId="2609"/>
+            <ac:cxnSpMk id="17" creationId="{AF045F09-2718-C456-D477-E816A43885FF}"/>
+          </ac:cxnSpMkLst>
+        </pc:cxnChg>
+        <pc:cxnChg chg="mod">
+          <ac:chgData name="Xin Luo" userId="82312ee5779919a4" providerId="LiveId" clId="{23920C8D-EBCE-A347-9C82-C14316D20539}" dt="2022-10-25T12:09:03.730" v="478" actId="1036"/>
+          <ac:cxnSpMkLst>
+            <pc:docMk/>
+            <pc:sldMk cId="2780969545" sldId="2609"/>
+            <ac:cxnSpMk id="28" creationId="{6C11ADF7-6234-2989-2798-F5AAD5EDE3BF}"/>
+          </ac:cxnSpMkLst>
+        </pc:cxnChg>
+      </pc:sldChg>
+      <pc:sldChg chg="modSp mod">
+        <pc:chgData name="Xin Luo" userId="82312ee5779919a4" providerId="LiveId" clId="{23920C8D-EBCE-A347-9C82-C14316D20539}" dt="2022-10-26T02:56:58.658" v="480" actId="207"/>
+        <pc:sldMkLst>
+          <pc:docMk/>
+          <pc:sldMk cId="63705705" sldId="2612"/>
+        </pc:sldMkLst>
+        <pc:spChg chg="mod">
+          <ac:chgData name="Xin Luo" userId="82312ee5779919a4" providerId="LiveId" clId="{23920C8D-EBCE-A347-9C82-C14316D20539}" dt="2022-10-26T02:56:58.658" v="480" actId="207"/>
+          <ac:spMkLst>
+            <pc:docMk/>
+            <pc:sldMk cId="63705705" sldId="2612"/>
+            <ac:spMk id="63" creationId="{6400CC45-5050-7ACD-CE08-CC6D7000A1DA}"/>
+          </ac:spMkLst>
+        </pc:spChg>
+      </pc:sldChg>
+      <pc:sldChg chg="addSp modSp">
+        <pc:chgData name="Xin Luo" userId="82312ee5779919a4" providerId="LiveId" clId="{23920C8D-EBCE-A347-9C82-C14316D20539}" dt="2022-10-26T12:19:06.428" v="501" actId="767"/>
+        <pc:sldMkLst>
+          <pc:docMk/>
+          <pc:sldMk cId="963926578" sldId="2613"/>
+        </pc:sldMkLst>
+        <pc:spChg chg="add mod">
+          <ac:chgData name="Xin Luo" userId="82312ee5779919a4" providerId="LiveId" clId="{23920C8D-EBCE-A347-9C82-C14316D20539}" dt="2022-10-26T12:19:06.428" v="501" actId="767"/>
+          <ac:spMkLst>
+            <pc:docMk/>
+            <pc:sldMk cId="963926578" sldId="2613"/>
+            <ac:spMk id="2" creationId="{5F7683B3-77E0-69A9-94AE-FF04E7249325}"/>
+          </ac:spMkLst>
+        </pc:spChg>
+      </pc:sldChg>
+      <pc:sldChg chg="modSp add mod">
+        <pc:chgData name="Xin Luo" userId="82312ee5779919a4" providerId="LiveId" clId="{23920C8D-EBCE-A347-9C82-C14316D20539}" dt="2022-10-10T01:06:02.902" v="365" actId="403"/>
+        <pc:sldMkLst>
+          <pc:docMk/>
+          <pc:sldMk cId="2358282757" sldId="2714"/>
+        </pc:sldMkLst>
+        <pc:spChg chg="mod">
+          <ac:chgData name="Xin Luo" userId="82312ee5779919a4" providerId="LiveId" clId="{23920C8D-EBCE-A347-9C82-C14316D20539}" dt="2022-10-10T01:06:02.902" v="365" actId="403"/>
+          <ac:spMkLst>
+            <pc:docMk/>
+            <pc:sldMk cId="2358282757" sldId="2714"/>
+            <ac:spMk id="2" creationId="{DB381E7B-A050-4BE4-6756-9B64308C74D7}"/>
+          </ac:spMkLst>
+        </pc:spChg>
+      </pc:sldChg>
+    </pc:docChg>
+  </pc:docChgLst>
+  <pc:docChgLst>
     <pc:chgData name="Xin Luo" userId="82312ee5779919a4" providerId="LiveId" clId="{4807F875-6F75-AB41-83F0-5AE490FE2F1C}"/>
     <pc:docChg chg="custSel addSld modSld">
       <pc:chgData name="Xin Luo" userId="82312ee5779919a4" providerId="LiveId" clId="{4807F875-6F75-AB41-83F0-5AE490FE2F1C}" dt="2023-09-13T14:07:01.122" v="8" actId="1076"/>
@@ -5061,6 +5061,138 @@
     </pc:docChg>
   </pc:docChgLst>
   <pc:docChgLst>
+    <pc:chgData name="Xin Luo" userId="82312ee5779919a4" providerId="LiveId" clId="{A508F461-0D73-864F-B88A-277BCD613B0A}"/>
+    <pc:docChg chg="modSld">
+      <pc:chgData name="Xin Luo" userId="82312ee5779919a4" providerId="LiveId" clId="{A508F461-0D73-864F-B88A-277BCD613B0A}" dt="2023-09-11T02:08:48.074" v="121" actId="1076"/>
+      <pc:docMkLst>
+        <pc:docMk/>
+      </pc:docMkLst>
+      <pc:sldChg chg="modSp mod">
+        <pc:chgData name="Xin Luo" userId="82312ee5779919a4" providerId="LiveId" clId="{A508F461-0D73-864F-B88A-277BCD613B0A}" dt="2023-09-11T01:25:36.157" v="49" actId="255"/>
+        <pc:sldMkLst>
+          <pc:docMk/>
+          <pc:sldMk cId="1209572041" sldId="2722"/>
+        </pc:sldMkLst>
+        <pc:spChg chg="mod">
+          <ac:chgData name="Xin Luo" userId="82312ee5779919a4" providerId="LiveId" clId="{A508F461-0D73-864F-B88A-277BCD613B0A}" dt="2023-09-11T01:25:36.157" v="49" actId="255"/>
+          <ac:spMkLst>
+            <pc:docMk/>
+            <pc:sldMk cId="1209572041" sldId="2722"/>
+            <ac:spMk id="13" creationId="{303BC878-BC57-D350-27A3-F03AE48213AC}"/>
+          </ac:spMkLst>
+        </pc:spChg>
+      </pc:sldChg>
+      <pc:sldChg chg="modSp mod">
+        <pc:chgData name="Xin Luo" userId="82312ee5779919a4" providerId="LiveId" clId="{A508F461-0D73-864F-B88A-277BCD613B0A}" dt="2023-09-11T02:08:48.074" v="121" actId="1076"/>
+        <pc:sldMkLst>
+          <pc:docMk/>
+          <pc:sldMk cId="3151170836" sldId="2742"/>
+        </pc:sldMkLst>
+        <pc:spChg chg="mod">
+          <ac:chgData name="Xin Luo" userId="82312ee5779919a4" providerId="LiveId" clId="{A508F461-0D73-864F-B88A-277BCD613B0A}" dt="2023-09-11T02:08:48.074" v="121" actId="1076"/>
+          <ac:spMkLst>
+            <pc:docMk/>
+            <pc:sldMk cId="3151170836" sldId="2742"/>
+            <ac:spMk id="6" creationId="{FA343B24-C04E-C7D0-D427-DA131ECB74AB}"/>
+          </ac:spMkLst>
+        </pc:spChg>
+      </pc:sldChg>
+      <pc:sldChg chg="modSp mod">
+        <pc:chgData name="Xin Luo" userId="82312ee5779919a4" providerId="LiveId" clId="{A508F461-0D73-864F-B88A-277BCD613B0A}" dt="2023-09-11T01:24:19.474" v="26" actId="255"/>
+        <pc:sldMkLst>
+          <pc:docMk/>
+          <pc:sldMk cId="3741103209" sldId="2745"/>
+        </pc:sldMkLst>
+        <pc:spChg chg="mod">
+          <ac:chgData name="Xin Luo" userId="82312ee5779919a4" providerId="LiveId" clId="{A508F461-0D73-864F-B88A-277BCD613B0A}" dt="2023-09-11T01:24:19.474" v="26" actId="255"/>
+          <ac:spMkLst>
+            <pc:docMk/>
+            <pc:sldMk cId="3741103209" sldId="2745"/>
+            <ac:spMk id="17" creationId="{9E05FFCA-3371-AF5C-381D-71D984055F5A}"/>
+          </ac:spMkLst>
+        </pc:spChg>
+      </pc:sldChg>
+      <pc:sldChg chg="modSp mod">
+        <pc:chgData name="Xin Luo" userId="82312ee5779919a4" providerId="LiveId" clId="{A508F461-0D73-864F-B88A-277BCD613B0A}" dt="2023-09-11T01:25:10.921" v="46" actId="1035"/>
+        <pc:sldMkLst>
+          <pc:docMk/>
+          <pc:sldMk cId="2081473989" sldId="2748"/>
+        </pc:sldMkLst>
+        <pc:spChg chg="mod">
+          <ac:chgData name="Xin Luo" userId="82312ee5779919a4" providerId="LiveId" clId="{A508F461-0D73-864F-B88A-277BCD613B0A}" dt="2023-09-11T01:25:10.921" v="46" actId="1035"/>
+          <ac:spMkLst>
+            <pc:docMk/>
+            <pc:sldMk cId="2081473989" sldId="2748"/>
+            <ac:spMk id="15" creationId="{DAE75BEB-15B0-6AD3-FEA5-24688F0C9399}"/>
+          </ac:spMkLst>
+        </pc:spChg>
+        <pc:spChg chg="mod">
+          <ac:chgData name="Xin Luo" userId="82312ee5779919a4" providerId="LiveId" clId="{A508F461-0D73-864F-B88A-277BCD613B0A}" dt="2023-09-11T01:25:10.921" v="46" actId="1035"/>
+          <ac:spMkLst>
+            <pc:docMk/>
+            <pc:sldMk cId="2081473989" sldId="2748"/>
+            <ac:spMk id="16" creationId="{011A1F98-9159-4FE6-698D-1B0B7EFC1F4C}"/>
+          </ac:spMkLst>
+        </pc:spChg>
+        <pc:spChg chg="mod">
+          <ac:chgData name="Xin Luo" userId="82312ee5779919a4" providerId="LiveId" clId="{A508F461-0D73-864F-B88A-277BCD613B0A}" dt="2023-09-11T01:25:03.190" v="37" actId="2710"/>
+          <ac:spMkLst>
+            <pc:docMk/>
+            <pc:sldMk cId="2081473989" sldId="2748"/>
+            <ac:spMk id="17" creationId="{9E05FFCA-3371-AF5C-381D-71D984055F5A}"/>
+          </ac:spMkLst>
+        </pc:spChg>
+        <pc:picChg chg="mod">
+          <ac:chgData name="Xin Luo" userId="82312ee5779919a4" providerId="LiveId" clId="{A508F461-0D73-864F-B88A-277BCD613B0A}" dt="2023-09-11T01:25:10.921" v="46" actId="1035"/>
+          <ac:picMkLst>
+            <pc:docMk/>
+            <pc:sldMk cId="2081473989" sldId="2748"/>
+            <ac:picMk id="8" creationId="{79143EB1-6171-6D6B-E065-52F98AD03CCA}"/>
+          </ac:picMkLst>
+        </pc:picChg>
+        <pc:picChg chg="mod">
+          <ac:chgData name="Xin Luo" userId="82312ee5779919a4" providerId="LiveId" clId="{A508F461-0D73-864F-B88A-277BCD613B0A}" dt="2023-09-11T01:25:10.921" v="46" actId="1035"/>
+          <ac:picMkLst>
+            <pc:docMk/>
+            <pc:sldMk cId="2081473989" sldId="2748"/>
+            <ac:picMk id="12" creationId="{CD5784D5-D55B-B02C-C48B-B4566A95D7A5}"/>
+          </ac:picMkLst>
+        </pc:picChg>
+      </pc:sldChg>
+      <pc:sldChg chg="modSp mod">
+        <pc:chgData name="Xin Luo" userId="82312ee5779919a4" providerId="LiveId" clId="{A508F461-0D73-864F-B88A-277BCD613B0A}" dt="2023-09-11T01:23:28.376" v="25" actId="1037"/>
+        <pc:sldMkLst>
+          <pc:docMk/>
+          <pc:sldMk cId="2927474256" sldId="2754"/>
+        </pc:sldMkLst>
+        <pc:spChg chg="mod">
+          <ac:chgData name="Xin Luo" userId="82312ee5779919a4" providerId="LiveId" clId="{A508F461-0D73-864F-B88A-277BCD613B0A}" dt="2023-09-11T01:23:28.376" v="25" actId="1037"/>
+          <ac:spMkLst>
+            <pc:docMk/>
+            <pc:sldMk cId="2927474256" sldId="2754"/>
+            <ac:spMk id="17" creationId="{8CFF8A22-C033-47DF-8707-CA76F142CBBA}"/>
+          </ac:spMkLst>
+        </pc:spChg>
+        <pc:grpChg chg="mod">
+          <ac:chgData name="Xin Luo" userId="82312ee5779919a4" providerId="LiveId" clId="{A508F461-0D73-864F-B88A-277BCD613B0A}" dt="2023-09-11T01:23:15.792" v="0" actId="1037"/>
+          <ac:grpSpMkLst>
+            <pc:docMk/>
+            <pc:sldMk cId="2927474256" sldId="2754"/>
+            <ac:grpSpMk id="20" creationId="{8AA7B3E2-1D42-96C9-43F0-1F320D3EFD63}"/>
+          </ac:grpSpMkLst>
+        </pc:grpChg>
+        <pc:picChg chg="mod">
+          <ac:chgData name="Xin Luo" userId="82312ee5779919a4" providerId="LiveId" clId="{A508F461-0D73-864F-B88A-277BCD613B0A}" dt="2023-09-11T01:23:18.846" v="10" actId="1038"/>
+          <ac:picMkLst>
+            <pc:docMk/>
+            <pc:sldMk cId="2927474256" sldId="2754"/>
+            <ac:picMk id="9" creationId="{0CF46726-2B51-43A4-FDEF-A6131C46F05F}"/>
+          </ac:picMkLst>
+        </pc:picChg>
+      </pc:sldChg>
+    </pc:docChg>
+  </pc:docChgLst>
+  <pc:docChgLst>
     <pc:chgData name="Xin Luo" userId="82312ee5779919a4" providerId="LiveId" clId="{82BFAA31-791A-9843-976C-3AAFAA5AC07D}"/>
     <pc:docChg chg="undo custSel addSld delSld modSld">
       <pc:chgData name="Xin Luo" userId="82312ee5779919a4" providerId="LiveId" clId="{82BFAA31-791A-9843-976C-3AAFAA5AC07D}" dt="2023-03-05T13:50:34.172" v="6224" actId="1035"/>
@@ -5797,138 +5929,6 @@
           <pc:docMk/>
           <pc:sldMk cId="1628918360" sldId="2751"/>
         </pc:sldMkLst>
-      </pc:sldChg>
-    </pc:docChg>
-  </pc:docChgLst>
-  <pc:docChgLst>
-    <pc:chgData name="Xin Luo" userId="82312ee5779919a4" providerId="LiveId" clId="{A508F461-0D73-864F-B88A-277BCD613B0A}"/>
-    <pc:docChg chg="modSld">
-      <pc:chgData name="Xin Luo" userId="82312ee5779919a4" providerId="LiveId" clId="{A508F461-0D73-864F-B88A-277BCD613B0A}" dt="2023-09-11T02:08:48.074" v="121" actId="1076"/>
-      <pc:docMkLst>
-        <pc:docMk/>
-      </pc:docMkLst>
-      <pc:sldChg chg="modSp mod">
-        <pc:chgData name="Xin Luo" userId="82312ee5779919a4" providerId="LiveId" clId="{A508F461-0D73-864F-B88A-277BCD613B0A}" dt="2023-09-11T01:25:36.157" v="49" actId="255"/>
-        <pc:sldMkLst>
-          <pc:docMk/>
-          <pc:sldMk cId="1209572041" sldId="2722"/>
-        </pc:sldMkLst>
-        <pc:spChg chg="mod">
-          <ac:chgData name="Xin Luo" userId="82312ee5779919a4" providerId="LiveId" clId="{A508F461-0D73-864F-B88A-277BCD613B0A}" dt="2023-09-11T01:25:36.157" v="49" actId="255"/>
-          <ac:spMkLst>
-            <pc:docMk/>
-            <pc:sldMk cId="1209572041" sldId="2722"/>
-            <ac:spMk id="13" creationId="{303BC878-BC57-D350-27A3-F03AE48213AC}"/>
-          </ac:spMkLst>
-        </pc:spChg>
-      </pc:sldChg>
-      <pc:sldChg chg="modSp mod">
-        <pc:chgData name="Xin Luo" userId="82312ee5779919a4" providerId="LiveId" clId="{A508F461-0D73-864F-B88A-277BCD613B0A}" dt="2023-09-11T02:08:48.074" v="121" actId="1076"/>
-        <pc:sldMkLst>
-          <pc:docMk/>
-          <pc:sldMk cId="3151170836" sldId="2742"/>
-        </pc:sldMkLst>
-        <pc:spChg chg="mod">
-          <ac:chgData name="Xin Luo" userId="82312ee5779919a4" providerId="LiveId" clId="{A508F461-0D73-864F-B88A-277BCD613B0A}" dt="2023-09-11T02:08:48.074" v="121" actId="1076"/>
-          <ac:spMkLst>
-            <pc:docMk/>
-            <pc:sldMk cId="3151170836" sldId="2742"/>
-            <ac:spMk id="6" creationId="{FA343B24-C04E-C7D0-D427-DA131ECB74AB}"/>
-          </ac:spMkLst>
-        </pc:spChg>
-      </pc:sldChg>
-      <pc:sldChg chg="modSp mod">
-        <pc:chgData name="Xin Luo" userId="82312ee5779919a4" providerId="LiveId" clId="{A508F461-0D73-864F-B88A-277BCD613B0A}" dt="2023-09-11T01:24:19.474" v="26" actId="255"/>
-        <pc:sldMkLst>
-          <pc:docMk/>
-          <pc:sldMk cId="3741103209" sldId="2745"/>
-        </pc:sldMkLst>
-        <pc:spChg chg="mod">
-          <ac:chgData name="Xin Luo" userId="82312ee5779919a4" providerId="LiveId" clId="{A508F461-0D73-864F-B88A-277BCD613B0A}" dt="2023-09-11T01:24:19.474" v="26" actId="255"/>
-          <ac:spMkLst>
-            <pc:docMk/>
-            <pc:sldMk cId="3741103209" sldId="2745"/>
-            <ac:spMk id="17" creationId="{9E05FFCA-3371-AF5C-381D-71D984055F5A}"/>
-          </ac:spMkLst>
-        </pc:spChg>
-      </pc:sldChg>
-      <pc:sldChg chg="modSp mod">
-        <pc:chgData name="Xin Luo" userId="82312ee5779919a4" providerId="LiveId" clId="{A508F461-0D73-864F-B88A-277BCD613B0A}" dt="2023-09-11T01:25:10.921" v="46" actId="1035"/>
-        <pc:sldMkLst>
-          <pc:docMk/>
-          <pc:sldMk cId="2081473989" sldId="2748"/>
-        </pc:sldMkLst>
-        <pc:spChg chg="mod">
-          <ac:chgData name="Xin Luo" userId="82312ee5779919a4" providerId="LiveId" clId="{A508F461-0D73-864F-B88A-277BCD613B0A}" dt="2023-09-11T01:25:10.921" v="46" actId="1035"/>
-          <ac:spMkLst>
-            <pc:docMk/>
-            <pc:sldMk cId="2081473989" sldId="2748"/>
-            <ac:spMk id="15" creationId="{DAE75BEB-15B0-6AD3-FEA5-24688F0C9399}"/>
-          </ac:spMkLst>
-        </pc:spChg>
-        <pc:spChg chg="mod">
-          <ac:chgData name="Xin Luo" userId="82312ee5779919a4" providerId="LiveId" clId="{A508F461-0D73-864F-B88A-277BCD613B0A}" dt="2023-09-11T01:25:10.921" v="46" actId="1035"/>
-          <ac:spMkLst>
-            <pc:docMk/>
-            <pc:sldMk cId="2081473989" sldId="2748"/>
-            <ac:spMk id="16" creationId="{011A1F98-9159-4FE6-698D-1B0B7EFC1F4C}"/>
-          </ac:spMkLst>
-        </pc:spChg>
-        <pc:spChg chg="mod">
-          <ac:chgData name="Xin Luo" userId="82312ee5779919a4" providerId="LiveId" clId="{A508F461-0D73-864F-B88A-277BCD613B0A}" dt="2023-09-11T01:25:03.190" v="37" actId="2710"/>
-          <ac:spMkLst>
-            <pc:docMk/>
-            <pc:sldMk cId="2081473989" sldId="2748"/>
-            <ac:spMk id="17" creationId="{9E05FFCA-3371-AF5C-381D-71D984055F5A}"/>
-          </ac:spMkLst>
-        </pc:spChg>
-        <pc:picChg chg="mod">
-          <ac:chgData name="Xin Luo" userId="82312ee5779919a4" providerId="LiveId" clId="{A508F461-0D73-864F-B88A-277BCD613B0A}" dt="2023-09-11T01:25:10.921" v="46" actId="1035"/>
-          <ac:picMkLst>
-            <pc:docMk/>
-            <pc:sldMk cId="2081473989" sldId="2748"/>
-            <ac:picMk id="8" creationId="{79143EB1-6171-6D6B-E065-52F98AD03CCA}"/>
-          </ac:picMkLst>
-        </pc:picChg>
-        <pc:picChg chg="mod">
-          <ac:chgData name="Xin Luo" userId="82312ee5779919a4" providerId="LiveId" clId="{A508F461-0D73-864F-B88A-277BCD613B0A}" dt="2023-09-11T01:25:10.921" v="46" actId="1035"/>
-          <ac:picMkLst>
-            <pc:docMk/>
-            <pc:sldMk cId="2081473989" sldId="2748"/>
-            <ac:picMk id="12" creationId="{CD5784D5-D55B-B02C-C48B-B4566A95D7A5}"/>
-          </ac:picMkLst>
-        </pc:picChg>
-      </pc:sldChg>
-      <pc:sldChg chg="modSp mod">
-        <pc:chgData name="Xin Luo" userId="82312ee5779919a4" providerId="LiveId" clId="{A508F461-0D73-864F-B88A-277BCD613B0A}" dt="2023-09-11T01:23:28.376" v="25" actId="1037"/>
-        <pc:sldMkLst>
-          <pc:docMk/>
-          <pc:sldMk cId="2927474256" sldId="2754"/>
-        </pc:sldMkLst>
-        <pc:spChg chg="mod">
-          <ac:chgData name="Xin Luo" userId="82312ee5779919a4" providerId="LiveId" clId="{A508F461-0D73-864F-B88A-277BCD613B0A}" dt="2023-09-11T01:23:28.376" v="25" actId="1037"/>
-          <ac:spMkLst>
-            <pc:docMk/>
-            <pc:sldMk cId="2927474256" sldId="2754"/>
-            <ac:spMk id="17" creationId="{8CFF8A22-C033-47DF-8707-CA76F142CBBA}"/>
-          </ac:spMkLst>
-        </pc:spChg>
-        <pc:grpChg chg="mod">
-          <ac:chgData name="Xin Luo" userId="82312ee5779919a4" providerId="LiveId" clId="{A508F461-0D73-864F-B88A-277BCD613B0A}" dt="2023-09-11T01:23:15.792" v="0" actId="1037"/>
-          <ac:grpSpMkLst>
-            <pc:docMk/>
-            <pc:sldMk cId="2927474256" sldId="2754"/>
-            <ac:grpSpMk id="20" creationId="{8AA7B3E2-1D42-96C9-43F0-1F320D3EFD63}"/>
-          </ac:grpSpMkLst>
-        </pc:grpChg>
-        <pc:picChg chg="mod">
-          <ac:chgData name="Xin Luo" userId="82312ee5779919a4" providerId="LiveId" clId="{A508F461-0D73-864F-B88A-277BCD613B0A}" dt="2023-09-11T01:23:18.846" v="10" actId="1038"/>
-          <ac:picMkLst>
-            <pc:docMk/>
-            <pc:sldMk cId="2927474256" sldId="2754"/>
-            <ac:picMk id="9" creationId="{0CF46726-2B51-43A4-FDEF-A6131C46F05F}"/>
-          </ac:picMkLst>
-        </pc:picChg>
       </pc:sldChg>
     </pc:docChg>
   </pc:docChgLst>
@@ -6342,7 +6342,7 @@
               </a14:hiddenFill>
             </a:ext>
             <a:ext uri="{FAA26D3D-D897-4be2-8F04-BA451C77F1D7}">
-              <ma14:placeholderFlag xmlns:ma14="http://schemas.microsoft.com/office/mac/drawingml/2011/main" xmlns="" val="1"/>
+              <ma14:placeholderFlag xmlns="" xmlns:ma14="http://schemas.microsoft.com/office/mac/drawingml/2011/main" val="1"/>
             </a:ext>
           </a:extLst>
         </p:spPr>
@@ -6726,7 +6726,7 @@
               </a14:hiddenLine>
             </a:ext>
             <a:ext uri="{FAA26D3D-D897-4be2-8F04-BA451C77F1D7}">
-              <ma14:placeholderFlag xmlns:ma14="http://schemas.microsoft.com/office/mac/drawingml/2011/main" xmlns="" val="1"/>
+              <ma14:placeholderFlag xmlns="" xmlns:ma14="http://schemas.microsoft.com/office/mac/drawingml/2011/main" val="1"/>
             </a:ext>
           </a:extLst>
         </p:spPr>
@@ -10196,7 +10196,7 @@
               </a14:hiddenLine>
             </a:ext>
             <a:ext uri="{FAA26D3D-D897-4be2-8F04-BA451C77F1D7}">
-              <ma14:placeholderFlag xmlns:ma14="http://schemas.microsoft.com/office/mac/drawingml/2011/main" xmlns="" val="1"/>
+              <ma14:placeholderFlag xmlns="" xmlns:ma14="http://schemas.microsoft.com/office/mac/drawingml/2011/main" val="1"/>
             </a:ext>
           </a:extLst>
         </p:spPr>
@@ -13887,7 +13887,7 @@
               </a14:hiddenLine>
             </a:ext>
             <a:ext uri="{FAA26D3D-D897-4be2-8F04-BA451C77F1D7}">
-              <ma14:placeholderFlag xmlns:ma14="http://schemas.microsoft.com/office/mac/drawingml/2011/main" xmlns="" val="1"/>
+              <ma14:placeholderFlag xmlns="" xmlns:ma14="http://schemas.microsoft.com/office/mac/drawingml/2011/main" val="1"/>
             </a:ext>
           </a:extLst>
         </p:spPr>
@@ -20883,7 +20883,7 @@
         </p:nvSpPr>
         <p:spPr>
           <a:xfrm>
-            <a:off x="0" y="8526"/>
+            <a:off x="-6350" y="14876"/>
             <a:ext cx="9013371" cy="792162"/>
           </a:xfrm>
         </p:spPr>

--- a/第3章-开源GIS软件开发环境-6课时/第3章-2-开源GIS软件开发环境-Python编程基础-2学时.pptx
+++ b/第3章-开源GIS软件开发环境-6课时/第3章-2-开源GIS软件开发环境-Python编程基础-2学时.pptx
@@ -6,10 +6,10 @@
     <p:sldMasterId id="2147484986" r:id="rId2"/>
   </p:sldMasterIdLst>
   <p:notesMasterIdLst>
-    <p:notesMasterId r:id="rId27"/>
+    <p:notesMasterId r:id="rId28"/>
   </p:notesMasterIdLst>
   <p:handoutMasterIdLst>
-    <p:handoutMasterId r:id="rId28"/>
+    <p:handoutMasterId r:id="rId29"/>
   </p:handoutMasterIdLst>
   <p:sldIdLst>
     <p:sldId id="2708" r:id="rId3"/>
@@ -35,12 +35,13 @@
     <p:sldId id="2741" r:id="rId23"/>
     <p:sldId id="2739" r:id="rId24"/>
     <p:sldId id="2722" r:id="rId25"/>
-    <p:sldId id="2742" r:id="rId26"/>
+    <p:sldId id="2774" r:id="rId26"/>
+    <p:sldId id="2742" r:id="rId27"/>
   </p:sldIdLst>
   <p:sldSz cx="9144000" cy="6858000" type="screen4x3"/>
   <p:notesSz cx="7099300" cy="10234613"/>
   <p:custDataLst>
-    <p:tags r:id="rId29"/>
+    <p:tags r:id="rId30"/>
   </p:custDataLst>
   <p:defaultTextStyle>
     <a:defPPr>
@@ -7806,6 +7807,85 @@
 </file>
 
 <file path=ppt/notesSlides/notesSlide24.xml><?xml version="1.0" encoding="utf-8"?>
+<p:notes xmlns:a="http://schemas.openxmlformats.org/drawingml/2006/main" xmlns:r="http://schemas.openxmlformats.org/officeDocument/2006/relationships" xmlns:p="http://schemas.openxmlformats.org/presentationml/2006/main">
+  <p:cSld>
+    <p:spTree>
+      <p:nvGrpSpPr>
+        <p:cNvPr id="1" name="">
+          <a:extLst>
+            <a:ext uri="{FF2B5EF4-FFF2-40B4-BE49-F238E27FC236}">
+              <a16:creationId xmlns:a16="http://schemas.microsoft.com/office/drawing/2014/main" id="{094BCDA3-EDF8-1328-44C1-3544F343F5E4}"/>
+            </a:ext>
+          </a:extLst>
+        </p:cNvPr>
+        <p:cNvGrpSpPr/>
+        <p:nvPr/>
+      </p:nvGrpSpPr>
+      <p:grpSpPr>
+        <a:xfrm>
+          <a:off x="0" y="0"/>
+          <a:ext cx="0" cy="0"/>
+          <a:chOff x="0" y="0"/>
+          <a:chExt cx="0" cy="0"/>
+        </a:xfrm>
+      </p:grpSpPr>
+      <p:sp>
+        <p:nvSpPr>
+          <p:cNvPr id="2" name="幻灯片图像占位符 1">
+            <a:extLst>
+              <a:ext uri="{FF2B5EF4-FFF2-40B4-BE49-F238E27FC236}">
+                <a16:creationId xmlns:a16="http://schemas.microsoft.com/office/drawing/2014/main" id="{B229A8F9-A6EC-E42C-AD84-801563A45C1A}"/>
+              </a:ext>
+            </a:extLst>
+          </p:cNvPr>
+          <p:cNvSpPr>
+            <a:spLocks noGrp="1" noRot="1" noChangeAspect="1"/>
+          </p:cNvSpPr>
+          <p:nvPr>
+            <p:ph type="sldImg"/>
+          </p:nvPr>
+        </p:nvSpPr>
+        <p:spPr/>
+      </p:sp>
+      <p:sp>
+        <p:nvSpPr>
+          <p:cNvPr id="3" name="备注占位符 2">
+            <a:extLst>
+              <a:ext uri="{FF2B5EF4-FFF2-40B4-BE49-F238E27FC236}">
+                <a16:creationId xmlns:a16="http://schemas.microsoft.com/office/drawing/2014/main" id="{8CEAC522-9BA6-0F7C-5169-5546F0FDA36A}"/>
+              </a:ext>
+            </a:extLst>
+          </p:cNvPr>
+          <p:cNvSpPr>
+            <a:spLocks noGrp="1"/>
+          </p:cNvSpPr>
+          <p:nvPr>
+            <p:ph type="body" idx="1"/>
+          </p:nvPr>
+        </p:nvSpPr>
+        <p:spPr/>
+        <p:txBody>
+          <a:bodyPr/>
+          <a:lstStyle/>
+          <a:p>
+            <a:endParaRPr lang="zh-CN" altLang="en-US" dirty="0"/>
+          </a:p>
+        </p:txBody>
+      </p:sp>
+    </p:spTree>
+    <p:extLst>
+      <p:ext uri="{BB962C8B-B14F-4D97-AF65-F5344CB8AC3E}">
+        <p14:creationId xmlns:p14="http://schemas.microsoft.com/office/powerpoint/2010/main" val="3393721851"/>
+      </p:ext>
+    </p:extLst>
+  </p:cSld>
+  <p:clrMapOvr>
+    <a:masterClrMapping/>
+  </p:clrMapOvr>
+</p:notes>
+</file>
+
+<file path=ppt/notesSlides/notesSlide25.xml><?xml version="1.0" encoding="utf-8"?>
 <p:notes xmlns:a="http://schemas.openxmlformats.org/drawingml/2006/main" xmlns:r="http://schemas.openxmlformats.org/officeDocument/2006/relationships" xmlns:p="http://schemas.openxmlformats.org/presentationml/2006/main">
   <p:cSld>
     <p:spTree>
@@ -21222,7 +21302,7 @@
         </p:nvGrpSpPr>
         <p:grpSpPr>
           <a:xfrm>
-            <a:off x="2130680" y="4247979"/>
+            <a:off x="2130680" y="3987629"/>
             <a:ext cx="6403721" cy="717997"/>
             <a:chOff x="2121801" y="3511390"/>
             <a:chExt cx="5718901" cy="576000"/>
@@ -23317,6 +23397,436 @@
   <p:cSld>
     <p:spTree>
       <p:nvGrpSpPr>
+        <p:cNvPr id="1" name="">
+          <a:extLst>
+            <a:ext uri="{FF2B5EF4-FFF2-40B4-BE49-F238E27FC236}">
+              <a16:creationId xmlns:a16="http://schemas.microsoft.com/office/drawing/2014/main" id="{1ADC9791-E0F5-2387-2F16-956A4B521E64}"/>
+            </a:ext>
+          </a:extLst>
+        </p:cNvPr>
+        <p:cNvGrpSpPr/>
+        <p:nvPr/>
+      </p:nvGrpSpPr>
+      <p:grpSpPr>
+        <a:xfrm>
+          <a:off x="0" y="0"/>
+          <a:ext cx="0" cy="0"/>
+          <a:chOff x="0" y="0"/>
+          <a:chExt cx="0" cy="0"/>
+        </a:xfrm>
+      </p:grpSpPr>
+      <p:sp>
+        <p:nvSpPr>
+          <p:cNvPr id="3" name="标题 2">
+            <a:extLst>
+              <a:ext uri="{FF2B5EF4-FFF2-40B4-BE49-F238E27FC236}">
+                <a16:creationId xmlns:a16="http://schemas.microsoft.com/office/drawing/2014/main" id="{57295FD0-533F-2960-189D-CA98B5C9D50F}"/>
+              </a:ext>
+            </a:extLst>
+          </p:cNvPr>
+          <p:cNvSpPr>
+            <a:spLocks noGrp="1"/>
+          </p:cNvSpPr>
+          <p:nvPr>
+            <p:ph type="title"/>
+          </p:nvPr>
+        </p:nvSpPr>
+        <p:spPr>
+          <a:xfrm>
+            <a:off x="0" y="8526"/>
+            <a:ext cx="9013371" cy="792162"/>
+          </a:xfrm>
+        </p:spPr>
+        <p:txBody>
+          <a:bodyPr/>
+          <a:lstStyle/>
+          <a:p>
+            <a:r>
+              <a:rPr lang="zh-CN" altLang="en-US" sz="3600" b="1" dirty="0">
+                <a:latin typeface="微软雅黑" pitchFamily="34" charset="-122"/>
+                <a:ea typeface="微软雅黑" pitchFamily="34" charset="-122"/>
+              </a:rPr>
+              <a:t>二、开源</a:t>
+            </a:r>
+            <a:r>
+              <a:rPr lang="zh-CN" altLang="en-US" dirty="0">
+                <a:latin typeface="微软雅黑" pitchFamily="34" charset="-122"/>
+                <a:ea typeface="微软雅黑" pitchFamily="34" charset="-122"/>
+              </a:rPr>
+              <a:t>桌面</a:t>
+            </a:r>
+            <a:r>
+              <a:rPr lang="zh-CN" altLang="en-US" sz="3600" b="1" dirty="0">
+                <a:latin typeface="微软雅黑" pitchFamily="34" charset="-122"/>
+                <a:ea typeface="微软雅黑" pitchFamily="34" charset="-122"/>
+              </a:rPr>
+              <a:t>软件</a:t>
+            </a:r>
+            <a:r>
+              <a:rPr lang="en-US" altLang="zh-CN" sz="3600" b="1" dirty="0">
+                <a:latin typeface="微软雅黑" pitchFamily="34" charset="-122"/>
+                <a:ea typeface="微软雅黑" pitchFamily="34" charset="-122"/>
+              </a:rPr>
+              <a:t>QGIS</a:t>
+            </a:r>
+            <a:endParaRPr lang="zh-CN" altLang="en-US" dirty="0"/>
+          </a:p>
+        </p:txBody>
+      </p:sp>
+      <p:sp>
+        <p:nvSpPr>
+          <p:cNvPr id="11" name="TextBox 10">
+            <a:extLst>
+              <a:ext uri="{FF2B5EF4-FFF2-40B4-BE49-F238E27FC236}">
+                <a16:creationId xmlns:a16="http://schemas.microsoft.com/office/drawing/2014/main" id="{744A7468-5DFB-9AD7-5579-E5209DCD95A8}"/>
+              </a:ext>
+            </a:extLst>
+          </p:cNvPr>
+          <p:cNvSpPr txBox="1"/>
+          <p:nvPr/>
+        </p:nvSpPr>
+        <p:spPr>
+          <a:xfrm>
+            <a:off x="414555" y="950572"/>
+            <a:ext cx="2576295" cy="743986"/>
+          </a:xfrm>
+          <a:prstGeom prst="rect">
+            <a:avLst/>
+          </a:prstGeom>
+          <a:noFill/>
+        </p:spPr>
+        <p:txBody>
+          <a:bodyPr wrap="square" rtlCol="0">
+            <a:spAutoFit/>
+          </a:bodyPr>
+          <a:lstStyle/>
+          <a:p>
+            <a:pPr algn="just">
+              <a:lnSpc>
+                <a:spcPct val="150000"/>
+              </a:lnSpc>
+            </a:pPr>
+            <a:r>
+              <a:rPr lang="zh-CN" altLang="en-US" sz="3200" b="1" dirty="0">
+                <a:solidFill>
+                  <a:srgbClr val="333333"/>
+                </a:solidFill>
+                <a:latin typeface="+mn-ea"/>
+                <a:ea typeface="+mn-ea"/>
+              </a:rPr>
+              <a:t>章节实验</a:t>
+            </a:r>
+            <a:endParaRPr lang="en-US" altLang="zh-CN" sz="3200" b="1" dirty="0">
+              <a:solidFill>
+                <a:srgbClr val="333333"/>
+              </a:solidFill>
+              <a:latin typeface="+mn-ea"/>
+              <a:ea typeface="+mn-ea"/>
+            </a:endParaRPr>
+          </a:p>
+        </p:txBody>
+      </p:sp>
+      <p:sp>
+        <p:nvSpPr>
+          <p:cNvPr id="13" name="TextBox 12">
+            <a:extLst>
+              <a:ext uri="{FF2B5EF4-FFF2-40B4-BE49-F238E27FC236}">
+                <a16:creationId xmlns:a16="http://schemas.microsoft.com/office/drawing/2014/main" id="{0C3D94BE-1E36-82B4-95DA-77A28BE308E0}"/>
+              </a:ext>
+            </a:extLst>
+          </p:cNvPr>
+          <p:cNvSpPr txBox="1"/>
+          <p:nvPr/>
+        </p:nvSpPr>
+        <p:spPr>
+          <a:xfrm>
+            <a:off x="414554" y="1701890"/>
+            <a:ext cx="8447058" cy="3750963"/>
+          </a:xfrm>
+          <a:prstGeom prst="rect">
+            <a:avLst/>
+          </a:prstGeom>
+          <a:noFill/>
+        </p:spPr>
+        <p:txBody>
+          <a:bodyPr wrap="square">
+            <a:spAutoFit/>
+          </a:bodyPr>
+          <a:lstStyle/>
+          <a:p>
+            <a:pPr algn="just">
+              <a:lnSpc>
+                <a:spcPct val="150000"/>
+              </a:lnSpc>
+            </a:pPr>
+            <a:r>
+              <a:rPr lang="zh-CN" altLang="en-US" sz="2800" b="1" dirty="0">
+                <a:solidFill>
+                  <a:srgbClr val="FF0000"/>
+                </a:solidFill>
+                <a:latin typeface="Times New Roman" panose="02020603050405020304" pitchFamily="18" charset="0"/>
+                <a:ea typeface="+mn-ea"/>
+                <a:cs typeface="Times New Roman" panose="02020603050405020304" pitchFamily="18" charset="0"/>
+              </a:rPr>
+              <a:t>实验目标：</a:t>
+            </a:r>
+            <a:endParaRPr lang="en-US" altLang="zh-CN" sz="2800" b="1" dirty="0">
+              <a:solidFill>
+                <a:srgbClr val="FF0000"/>
+              </a:solidFill>
+              <a:latin typeface="Times New Roman" panose="02020603050405020304" pitchFamily="18" charset="0"/>
+              <a:ea typeface="+mn-ea"/>
+              <a:cs typeface="Times New Roman" panose="02020603050405020304" pitchFamily="18" charset="0"/>
+            </a:endParaRPr>
+          </a:p>
+          <a:p>
+            <a:pPr algn="just">
+              <a:lnSpc>
+                <a:spcPct val="150000"/>
+              </a:lnSpc>
+            </a:pPr>
+            <a:r>
+              <a:rPr lang="zh-CN" altLang="en-US" dirty="0">
+                <a:solidFill>
+                  <a:schemeClr val="bg2"/>
+                </a:solidFill>
+                <a:latin typeface="Times New Roman" panose="02020603050405020304" pitchFamily="18" charset="0"/>
+                <a:ea typeface="+mn-ea"/>
+                <a:cs typeface="Times New Roman" panose="02020603050405020304" pitchFamily="18" charset="0"/>
+              </a:rPr>
+              <a:t>掌握</a:t>
+            </a:r>
+            <a:r>
+              <a:rPr lang="en-US" altLang="zh-CN" dirty="0">
+                <a:solidFill>
+                  <a:schemeClr val="bg2"/>
+                </a:solidFill>
+                <a:latin typeface="Times New Roman" panose="02020603050405020304" pitchFamily="18" charset="0"/>
+                <a:ea typeface="+mn-ea"/>
+                <a:cs typeface="Times New Roman" panose="02020603050405020304" pitchFamily="18" charset="0"/>
+              </a:rPr>
+              <a:t>Python</a:t>
+            </a:r>
+            <a:r>
+              <a:rPr lang="zh-CN" altLang="en-US" dirty="0">
+                <a:solidFill>
+                  <a:schemeClr val="bg2"/>
+                </a:solidFill>
+                <a:latin typeface="Times New Roman" panose="02020603050405020304" pitchFamily="18" charset="0"/>
+                <a:ea typeface="+mn-ea"/>
+                <a:cs typeface="Times New Roman" panose="02020603050405020304" pitchFamily="18" charset="0"/>
+              </a:rPr>
+              <a:t>编程基础</a:t>
+            </a:r>
+            <a:endParaRPr lang="en-US" altLang="zh-CN" dirty="0">
+              <a:solidFill>
+                <a:schemeClr val="bg2"/>
+              </a:solidFill>
+              <a:latin typeface="Times New Roman" panose="02020603050405020304" pitchFamily="18" charset="0"/>
+              <a:ea typeface="+mn-ea"/>
+              <a:cs typeface="Times New Roman" panose="02020603050405020304" pitchFamily="18" charset="0"/>
+            </a:endParaRPr>
+          </a:p>
+          <a:p>
+            <a:pPr algn="just">
+              <a:lnSpc>
+                <a:spcPct val="150000"/>
+              </a:lnSpc>
+            </a:pPr>
+            <a:r>
+              <a:rPr lang="zh-CN" altLang="en-US" sz="2800" b="1" dirty="0">
+                <a:solidFill>
+                  <a:srgbClr val="FF0000"/>
+                </a:solidFill>
+                <a:latin typeface="Times New Roman" panose="02020603050405020304" pitchFamily="18" charset="0"/>
+                <a:ea typeface="+mn-ea"/>
+                <a:cs typeface="Times New Roman" panose="02020603050405020304" pitchFamily="18" charset="0"/>
+              </a:rPr>
+              <a:t>实验内容及要求：</a:t>
+            </a:r>
+            <a:endParaRPr lang="en-US" altLang="zh-CN" sz="2800" b="1" dirty="0">
+              <a:solidFill>
+                <a:srgbClr val="FF0000"/>
+              </a:solidFill>
+              <a:latin typeface="Times New Roman" panose="02020603050405020304" pitchFamily="18" charset="0"/>
+              <a:ea typeface="+mn-ea"/>
+              <a:cs typeface="Times New Roman" panose="02020603050405020304" pitchFamily="18" charset="0"/>
+            </a:endParaRPr>
+          </a:p>
+          <a:p>
+            <a:pPr algn="just">
+              <a:lnSpc>
+                <a:spcPct val="150000"/>
+              </a:lnSpc>
+            </a:pPr>
+            <a:r>
+              <a:rPr lang="zh-CN" altLang="en-US" dirty="0">
+                <a:solidFill>
+                  <a:schemeClr val="bg2"/>
+                </a:solidFill>
+                <a:latin typeface="Times New Roman" panose="02020603050405020304" pitchFamily="18" charset="0"/>
+                <a:ea typeface="+mn-ea"/>
+                <a:cs typeface="Times New Roman" panose="02020603050405020304" pitchFamily="18" charset="0"/>
+              </a:rPr>
+              <a:t>（</a:t>
+            </a:r>
+            <a:r>
+              <a:rPr lang="en-US" altLang="zh-CN" dirty="0">
+                <a:solidFill>
+                  <a:schemeClr val="bg2"/>
+                </a:solidFill>
+                <a:latin typeface="Times New Roman" panose="02020603050405020304" pitchFamily="18" charset="0"/>
+                <a:ea typeface="+mn-ea"/>
+                <a:cs typeface="Times New Roman" panose="02020603050405020304" pitchFamily="18" charset="0"/>
+              </a:rPr>
+              <a:t>1</a:t>
+            </a:r>
+            <a:r>
+              <a:rPr lang="zh-CN" altLang="en-US" dirty="0">
+                <a:solidFill>
+                  <a:schemeClr val="bg2"/>
+                </a:solidFill>
+                <a:latin typeface="Times New Roman" panose="02020603050405020304" pitchFamily="18" charset="0"/>
+                <a:ea typeface="+mn-ea"/>
+                <a:cs typeface="Times New Roman" panose="02020603050405020304" pitchFamily="18" charset="0"/>
+              </a:rPr>
+              <a:t>）设计便捷计算全班同学加权平均分的</a:t>
+            </a:r>
+            <a:r>
+              <a:rPr lang="en-US" altLang="zh-CN" dirty="0">
+                <a:solidFill>
+                  <a:schemeClr val="bg2"/>
+                </a:solidFill>
+                <a:latin typeface="Times New Roman" panose="02020603050405020304" pitchFamily="18" charset="0"/>
+                <a:ea typeface="+mn-ea"/>
+                <a:cs typeface="Times New Roman" panose="02020603050405020304" pitchFamily="18" charset="0"/>
+              </a:rPr>
+              <a:t>python</a:t>
+            </a:r>
+            <a:r>
+              <a:rPr lang="zh-CN" altLang="en-US" dirty="0">
+                <a:solidFill>
+                  <a:schemeClr val="bg2"/>
+                </a:solidFill>
+                <a:latin typeface="Times New Roman" panose="02020603050405020304" pitchFamily="18" charset="0"/>
+                <a:ea typeface="+mn-ea"/>
+                <a:cs typeface="Times New Roman" panose="02020603050405020304" pitchFamily="18" charset="0"/>
+              </a:rPr>
+              <a:t>程序。</a:t>
+            </a:r>
+            <a:endParaRPr lang="en-US" altLang="zh-CN" dirty="0">
+              <a:solidFill>
+                <a:schemeClr val="bg2"/>
+              </a:solidFill>
+              <a:latin typeface="Times New Roman" panose="02020603050405020304" pitchFamily="18" charset="0"/>
+              <a:ea typeface="+mn-ea"/>
+              <a:cs typeface="Times New Roman" panose="02020603050405020304" pitchFamily="18" charset="0"/>
+            </a:endParaRPr>
+          </a:p>
+          <a:p>
+            <a:pPr algn="just">
+              <a:lnSpc>
+                <a:spcPct val="150000"/>
+              </a:lnSpc>
+            </a:pPr>
+            <a:r>
+              <a:rPr lang="zh-CN" altLang="en-US" dirty="0">
+                <a:solidFill>
+                  <a:schemeClr val="bg2"/>
+                </a:solidFill>
+                <a:latin typeface="Times New Roman" panose="02020603050405020304" pitchFamily="18" charset="0"/>
+                <a:ea typeface="+mn-ea"/>
+                <a:cs typeface="Times New Roman" panose="02020603050405020304" pitchFamily="18" charset="0"/>
+              </a:rPr>
+              <a:t>（</a:t>
+            </a:r>
+            <a:r>
+              <a:rPr lang="en-US" altLang="zh-CN" dirty="0">
+                <a:solidFill>
+                  <a:schemeClr val="bg2"/>
+                </a:solidFill>
+                <a:latin typeface="Times New Roman" panose="02020603050405020304" pitchFamily="18" charset="0"/>
+                <a:ea typeface="+mn-ea"/>
+                <a:cs typeface="Times New Roman" panose="02020603050405020304" pitchFamily="18" charset="0"/>
+              </a:rPr>
+              <a:t>2</a:t>
+            </a:r>
+            <a:r>
+              <a:rPr lang="zh-CN" altLang="en-US" dirty="0">
+                <a:solidFill>
+                  <a:schemeClr val="bg2"/>
+                </a:solidFill>
+                <a:latin typeface="Times New Roman" panose="02020603050405020304" pitchFamily="18" charset="0"/>
+                <a:ea typeface="+mn-ea"/>
+                <a:cs typeface="Times New Roman" panose="02020603050405020304" pitchFamily="18" charset="0"/>
+              </a:rPr>
+              <a:t>）利用</a:t>
+            </a:r>
+            <a:r>
+              <a:rPr lang="en-US" altLang="zh-CN" dirty="0">
+                <a:solidFill>
+                  <a:schemeClr val="bg2"/>
+                </a:solidFill>
+                <a:latin typeface="Times New Roman" panose="02020603050405020304" pitchFamily="18" charset="0"/>
+                <a:ea typeface="+mn-ea"/>
+                <a:cs typeface="Times New Roman" panose="02020603050405020304" pitchFamily="18" charset="0"/>
+              </a:rPr>
+              <a:t>matplotlib</a:t>
+            </a:r>
+            <a:r>
+              <a:rPr lang="zh-CN" altLang="en-US">
+                <a:solidFill>
+                  <a:schemeClr val="bg2"/>
+                </a:solidFill>
+                <a:latin typeface="Times New Roman" panose="02020603050405020304" pitchFamily="18" charset="0"/>
+                <a:ea typeface="+mn-ea"/>
+                <a:cs typeface="Times New Roman" panose="02020603050405020304" pitchFamily="18" charset="0"/>
+              </a:rPr>
+              <a:t>对全班同学</a:t>
+            </a:r>
+            <a:r>
+              <a:rPr lang="zh-CN" altLang="en-US" dirty="0">
+                <a:solidFill>
+                  <a:schemeClr val="bg2"/>
+                </a:solidFill>
+                <a:latin typeface="Times New Roman" panose="02020603050405020304" pitchFamily="18" charset="0"/>
+                <a:ea typeface="+mn-ea"/>
+                <a:cs typeface="Times New Roman" panose="02020603050405020304" pitchFamily="18" charset="0"/>
+              </a:rPr>
+              <a:t>成绩情况进行可视化分析。</a:t>
+            </a:r>
+            <a:endParaRPr lang="en-US" altLang="zh-CN" dirty="0">
+              <a:solidFill>
+                <a:schemeClr val="bg2"/>
+              </a:solidFill>
+              <a:latin typeface="Times New Roman" panose="02020603050405020304" pitchFamily="18" charset="0"/>
+              <a:ea typeface="+mn-ea"/>
+              <a:cs typeface="Times New Roman" panose="02020603050405020304" pitchFamily="18" charset="0"/>
+            </a:endParaRPr>
+          </a:p>
+        </p:txBody>
+      </p:sp>
+    </p:spTree>
+    <p:extLst>
+      <p:ext uri="{BB962C8B-B14F-4D97-AF65-F5344CB8AC3E}">
+        <p14:creationId xmlns:p14="http://schemas.microsoft.com/office/powerpoint/2010/main" val="1625861482"/>
+      </p:ext>
+    </p:extLst>
+  </p:cSld>
+  <p:clrMapOvr>
+    <a:masterClrMapping/>
+  </p:clrMapOvr>
+  <p:transition>
+    <p:fade/>
+  </p:transition>
+</p:sld>
+</file>
+
+<file path=ppt/slides/slide25.xml><?xml version="1.0" encoding="utf-8"?>
+<p:sld xmlns:a="http://schemas.openxmlformats.org/drawingml/2006/main" xmlns:r="http://schemas.openxmlformats.org/officeDocument/2006/relationships" xmlns:p="http://schemas.openxmlformats.org/presentationml/2006/main">
+  <p:cSld>
+    <p:spTree>
+      <p:nvGrpSpPr>
         <p:cNvPr id="1" name=""/>
         <p:cNvGrpSpPr/>
         <p:nvPr/>
@@ -23764,7 +24274,7 @@
                 <a:latin typeface="+mn-ea"/>
                 <a:ea typeface="+mn-ea"/>
               </a:rPr>
-              <a:t>3</a:t>
+              <a:t>2</a:t>
             </a:r>
             <a:r>
               <a:rPr lang="zh-CN" altLang="en-US" sz="2000" b="1" dirty="0">
@@ -24173,8 +24683,8 @@
         </p:nvSpPr>
         <p:spPr>
           <a:xfrm>
-            <a:off x="317665" y="846748"/>
-            <a:ext cx="8508670" cy="743986"/>
+            <a:off x="435085" y="846748"/>
+            <a:ext cx="5133863" cy="743986"/>
           </a:xfrm>
           <a:prstGeom prst="rect">
             <a:avLst/>

--- a/第3章-开源GIS软件开发环境-6课时/第3章-2-开源GIS软件开发环境-Python编程基础-2学时.pptx
+++ b/第3章-开源GIS软件开发环境-6课时/第3章-2-开源GIS软件开发环境-Python编程基础-2学时.pptx
@@ -20039,11 +20039,11 @@
               <a:t>二、</a:t>
             </a:r>
             <a:r>
-              <a:rPr lang="en-US" altLang="zh-CN" sz="4000" b="1" dirty="0" err="1">
+              <a:rPr lang="en-US" altLang="zh-CN" sz="4000" b="1" dirty="0">
                 <a:latin typeface="微软雅黑" pitchFamily="34" charset="-122"/>
                 <a:ea typeface="微软雅黑" pitchFamily="34" charset="-122"/>
               </a:rPr>
-              <a:t>Matlablib</a:t>
+              <a:t>Matplotlib</a:t>
             </a:r>
             <a:r>
               <a:rPr lang="zh-CN" altLang="en-US" sz="4000" b="1" dirty="0">
@@ -23541,7 +23541,7 @@
         <p:spPr>
           <a:xfrm>
             <a:off x="414554" y="1701890"/>
-            <a:ext cx="8447058" cy="3750963"/>
+            <a:ext cx="8447058" cy="4488729"/>
           </a:xfrm>
           <a:prstGeom prst="rect">
             <a:avLst/>
@@ -23774,7 +23774,7 @@
               <a:t>matplotlib</a:t>
             </a:r>
             <a:r>
-              <a:rPr lang="zh-CN" altLang="en-US">
+              <a:rPr lang="zh-CN" altLang="en-US" dirty="0">
                 <a:solidFill>
                   <a:schemeClr val="bg2"/>
                 </a:solidFill>
@@ -23782,8 +23782,23 @@
                 <a:ea typeface="+mn-ea"/>
                 <a:cs typeface="Times New Roman" panose="02020603050405020304" pitchFamily="18" charset="0"/>
               </a:rPr>
-              <a:t>对全班同学</a:t>
-            </a:r>
+              <a:t>对全班同学成绩情况进行可视化分析。</a:t>
+            </a:r>
+            <a:endParaRPr lang="en-US" altLang="zh-CN" dirty="0">
+              <a:solidFill>
+                <a:schemeClr val="bg2"/>
+              </a:solidFill>
+              <a:latin typeface="Times New Roman" panose="02020603050405020304" pitchFamily="18" charset="0"/>
+              <a:ea typeface="+mn-ea"/>
+              <a:cs typeface="Times New Roman" panose="02020603050405020304" pitchFamily="18" charset="0"/>
+            </a:endParaRPr>
+          </a:p>
+          <a:p>
+            <a:pPr algn="just">
+              <a:lnSpc>
+                <a:spcPct val="150000"/>
+              </a:lnSpc>
+            </a:pPr>
             <a:r>
               <a:rPr lang="zh-CN" altLang="en-US" dirty="0">
                 <a:solidFill>
@@ -23793,7 +23808,51 @@
                 <a:ea typeface="+mn-ea"/>
                 <a:cs typeface="Times New Roman" panose="02020603050405020304" pitchFamily="18" charset="0"/>
               </a:rPr>
-              <a:t>成绩情况进行可视化分析。</a:t>
+              <a:t>（</a:t>
+            </a:r>
+            <a:r>
+              <a:rPr lang="en-US" altLang="zh-CN" dirty="0">
+                <a:solidFill>
+                  <a:schemeClr val="bg2"/>
+                </a:solidFill>
+                <a:latin typeface="Times New Roman" panose="02020603050405020304" pitchFamily="18" charset="0"/>
+                <a:ea typeface="+mn-ea"/>
+                <a:cs typeface="Times New Roman" panose="02020603050405020304" pitchFamily="18" charset="0"/>
+              </a:rPr>
+              <a:t>3</a:t>
+            </a:r>
+            <a:r>
+              <a:rPr lang="zh-CN" altLang="en-US" dirty="0">
+                <a:solidFill>
+                  <a:schemeClr val="bg2"/>
+                </a:solidFill>
+                <a:latin typeface="Times New Roman" panose="02020603050405020304" pitchFamily="18" charset="0"/>
+                <a:ea typeface="+mn-ea"/>
+                <a:cs typeface="Times New Roman" panose="02020603050405020304" pitchFamily="18" charset="0"/>
+              </a:rPr>
+              <a:t>）代码及结果截图发</a:t>
+            </a:r>
+            <a:r>
+              <a:rPr lang="en-US" altLang="zh-CN" dirty="0" err="1">
+                <a:solidFill>
+                  <a:schemeClr val="bg2"/>
+                </a:solidFill>
+                <a:latin typeface="Times New Roman" panose="02020603050405020304" pitchFamily="18" charset="0"/>
+                <a:ea typeface="+mn-ea"/>
+                <a:cs typeface="Times New Roman" panose="02020603050405020304" pitchFamily="18" charset="0"/>
+              </a:rPr>
+              <a:t>qq</a:t>
+            </a:r>
+            <a:r>
+              <a:rPr lang="zh-CN" altLang="en-US" dirty="0">
+                <a:solidFill>
+                  <a:schemeClr val="bg2"/>
+                </a:solidFill>
+                <a:latin typeface="Times New Roman" panose="02020603050405020304" pitchFamily="18" charset="0"/>
+                <a:ea typeface="+mn-ea"/>
+                <a:cs typeface="Times New Roman" panose="02020603050405020304" pitchFamily="18" charset="0"/>
+              </a:rPr>
+              <a:t>群</a:t>
             </a:r>
             <a:endParaRPr lang="en-US" altLang="zh-CN" dirty="0">
               <a:solidFill>
@@ -24307,6 +24366,26 @@
               <a:t>截止日期：</a:t>
             </a:r>
             <a:r>
+              <a:rPr lang="en-US" altLang="zh-CN" sz="2000" b="1" u="sng">
+                <a:solidFill>
+                  <a:srgbClr val="FF0000"/>
+                </a:solidFill>
+                <a:latin typeface="+mn-ea"/>
+                <a:ea typeface="+mn-ea"/>
+              </a:rPr>
+              <a:t>2025</a:t>
+            </a:r>
+            <a:r>
+              <a:rPr lang="zh-CN" altLang="en-US" sz="2000" b="1" u="sng">
+                <a:solidFill>
+                  <a:srgbClr val="FF0000"/>
+                </a:solidFill>
+                <a:latin typeface="+mn-ea"/>
+                <a:ea typeface="+mn-ea"/>
+              </a:rPr>
+              <a:t>年</a:t>
+            </a:r>
+            <a:r>
               <a:rPr lang="en-US" altLang="zh-CN" sz="2000" b="1" u="sng" dirty="0">
                 <a:solidFill>
                   <a:srgbClr val="FF0000"/>
@@ -24314,7 +24393,7 @@
                 <a:latin typeface="+mn-ea"/>
                 <a:ea typeface="+mn-ea"/>
               </a:rPr>
-              <a:t>2024</a:t>
+              <a:t>11</a:t>
             </a:r>
             <a:r>
               <a:rPr lang="zh-CN" altLang="en-US" sz="2000" b="1" u="sng" dirty="0">
@@ -24324,7 +24403,7 @@
                 <a:latin typeface="+mn-ea"/>
                 <a:ea typeface="+mn-ea"/>
               </a:rPr>
-              <a:t>年</a:t>
+              <a:t>月</a:t>
             </a:r>
             <a:r>
               <a:rPr lang="en-US" altLang="zh-CN" sz="2000" b="1" u="sng" dirty="0">
@@ -24335,26 +24414,6 @@
                 <a:ea typeface="+mn-ea"/>
               </a:rPr>
               <a:t>10</a:t>
-            </a:r>
-            <a:r>
-              <a:rPr lang="zh-CN" altLang="en-US" sz="2000" b="1" u="sng" dirty="0">
-                <a:solidFill>
-                  <a:srgbClr val="FF0000"/>
-                </a:solidFill>
-                <a:latin typeface="+mn-ea"/>
-                <a:ea typeface="+mn-ea"/>
-              </a:rPr>
-              <a:t>月</a:t>
-            </a:r>
-            <a:r>
-              <a:rPr lang="en-US" altLang="zh-CN" sz="2000" b="1" u="sng" dirty="0">
-                <a:solidFill>
-                  <a:srgbClr val="FF0000"/>
-                </a:solidFill>
-                <a:latin typeface="+mn-ea"/>
-                <a:ea typeface="+mn-ea"/>
-              </a:rPr>
-              <a:t>20</a:t>
             </a:r>
             <a:r>
               <a:rPr lang="zh-CN" altLang="en-US" sz="2000" b="1" u="sng" dirty="0">
@@ -24897,7 +24956,7 @@
                 <a:latin typeface="+mn-ea"/>
                 <a:ea typeface="+mn-ea"/>
               </a:rPr>
-              <a:t>、和</a:t>
+              <a:t>和</a:t>
             </a:r>
             <a:r>
               <a:rPr lang="zh-CN" altLang="en-US" b="1" u="sng" dirty="0">
@@ -25725,7 +25784,7 @@
         </p:nvGrpSpPr>
         <p:grpSpPr>
           <a:xfrm>
-            <a:off x="4434292" y="5288340"/>
+            <a:off x="4434292" y="5337436"/>
             <a:ext cx="4617262" cy="1244751"/>
             <a:chOff x="4265480" y="5384897"/>
             <a:chExt cx="4747891" cy="1244751"/>
@@ -27234,7 +27293,7 @@
         </p:nvSpPr>
         <p:spPr>
           <a:xfrm>
-            <a:off x="317665" y="3542003"/>
+            <a:off x="317665" y="3738387"/>
             <a:ext cx="8563370" cy="2909771"/>
           </a:xfrm>
           <a:prstGeom prst="rect">
@@ -27274,31 +27333,6 @@
               </a:rPr>
               <a:t>注意：</a:t>
             </a:r>
-            <a:endParaRPr lang="en-US" altLang="zh-CN" sz="2500" b="1" dirty="0">
-              <a:solidFill>
-                <a:schemeClr val="accent2"/>
-              </a:solidFill>
-              <a:latin typeface="+mn-ea"/>
-              <a:ea typeface="+mn-ea"/>
-            </a:endParaRPr>
-          </a:p>
-          <a:p>
-            <a:pPr marL="0" marR="0" lvl="0" indent="0" algn="l" defTabSz="914400" rtl="0" eaLnBrk="0" fontAlgn="base" latinLnBrk="0" hangingPunct="0">
-              <a:lnSpc>
-                <a:spcPct val="150000"/>
-              </a:lnSpc>
-              <a:spcBef>
-                <a:spcPct val="0"/>
-              </a:spcBef>
-              <a:spcAft>
-                <a:spcPct val="0"/>
-              </a:spcAft>
-              <a:buClrTx/>
-              <a:buSzTx/>
-              <a:buFontTx/>
-              <a:buNone/>
-              <a:tabLst/>
-            </a:pPr>
             <a:r>
               <a:rPr lang="en-US" altLang="zh-CN" sz="2500" dirty="0">
                 <a:solidFill>
@@ -27340,6 +27374,56 @@
               <a:t>不可以由数字打头</a:t>
             </a:r>
             <a:r>
+              <a:rPr lang="zh-CN" altLang="en-US" sz="2500" b="1" u="sng" dirty="0">
+                <a:solidFill>
+                  <a:srgbClr val="151515"/>
+                </a:solidFill>
+                <a:latin typeface="+mn-ea"/>
+                <a:ea typeface="+mn-ea"/>
+              </a:rPr>
+              <a:t>，不能包含特殊符号，如</a:t>
+            </a:r>
+            <a:r>
+              <a:rPr lang="en-US" altLang="zh-CN" sz="2500" b="1" u="sng" dirty="0">
+                <a:solidFill>
+                  <a:srgbClr val="151515"/>
+                </a:solidFill>
+                <a:latin typeface="+mn-ea"/>
+                <a:ea typeface="+mn-ea"/>
+              </a:rPr>
+              <a:t>@</a:t>
+            </a:r>
+            <a:r>
+              <a:rPr lang="zh-CN" altLang="en-US" sz="2500" b="1" u="sng" dirty="0">
+                <a:solidFill>
+                  <a:srgbClr val="151515"/>
+                </a:solidFill>
+                <a:latin typeface="+mn-ea"/>
+                <a:ea typeface="+mn-ea"/>
+              </a:rPr>
+              <a:t>，</a:t>
+            </a:r>
+            <a:r>
+              <a:rPr lang="en-US" altLang="zh-CN" sz="2500" b="1" u="sng" dirty="0">
+                <a:solidFill>
+                  <a:srgbClr val="151515"/>
+                </a:solidFill>
+                <a:latin typeface="+mn-ea"/>
+                <a:ea typeface="+mn-ea"/>
+              </a:rPr>
+              <a:t>%</a:t>
+            </a:r>
+            <a:r>
+              <a:rPr lang="zh-CN" altLang="en-US" sz="2500" b="1" u="sng" dirty="0">
+                <a:solidFill>
+                  <a:srgbClr val="151515"/>
+                </a:solidFill>
+                <a:latin typeface="+mn-ea"/>
+                <a:ea typeface="+mn-ea"/>
+              </a:rPr>
+              <a:t>等</a:t>
+            </a:r>
+            <a:r>
               <a:rPr lang="zh-CN" altLang="zh-CN" sz="2500" dirty="0">
                 <a:solidFill>
                   <a:srgbClr val="151515"/>
@@ -27348,6 +27432,16 @@
                 <a:ea typeface="+mn-ea"/>
               </a:rPr>
               <a:t>。</a:t>
+            </a:r>
+            <a:r>
+              <a:rPr lang="zh-CN" altLang="en-US" sz="2500" dirty="0">
+                <a:solidFill>
+                  <a:srgbClr val="151515"/>
+                </a:solidFill>
+                <a:latin typeface="+mn-ea"/>
+                <a:ea typeface="+mn-ea"/>
+              </a:rPr>
+              <a:t>；</a:t>
             </a:r>
             <a:endParaRPr lang="en-US" altLang="zh-CN" sz="2500" dirty="0">
               <a:solidFill>
